--- a/Deliverables/Relational Model.pptx
+++ b/Deliverables/Relational Model.pptx
@@ -105,6 +105,11 @@
       </a:defRPr>
     </a:lvl9pPr>
   </p:defaultTextStyle>
+  <p:extLst>
+    <p:ext uri="{EFAFB233-063F-42B5-8137-9DF3F51BA10A}">
+      <p15:sldGuideLst xmlns:p15="http://schemas.microsoft.com/office/powerpoint/2012/main"/>
+    </p:ext>
+  </p:extLst>
 </p:presentation>
 </file>
 
@@ -702,7 +707,7 @@
           <a:p>
             <a:fld id="{1A98E586-BE26-45CF-A16C-F0F962A0AAAF}" type="datetimeFigureOut">
               <a:rPr lang="en-US" smtClean="0"/>
-              <a:t>12/3/2021</a:t>
+              <a:t>12/9/2021</a:t>
             </a:fld>
             <a:endParaRPr lang="en-US"/>
           </a:p>
@@ -872,7 +877,7 @@
           <a:p>
             <a:fld id="{1A98E586-BE26-45CF-A16C-F0F962A0AAAF}" type="datetimeFigureOut">
               <a:rPr lang="en-US" smtClean="0"/>
-              <a:t>12/3/2021</a:t>
+              <a:t>12/9/2021</a:t>
             </a:fld>
             <a:endParaRPr lang="en-US"/>
           </a:p>
@@ -1052,7 +1057,7 @@
           <a:p>
             <a:fld id="{1A98E586-BE26-45CF-A16C-F0F962A0AAAF}" type="datetimeFigureOut">
               <a:rPr lang="en-US" smtClean="0"/>
-              <a:t>12/3/2021</a:t>
+              <a:t>12/9/2021</a:t>
             </a:fld>
             <a:endParaRPr lang="en-US"/>
           </a:p>
@@ -1222,7 +1227,7 @@
           <a:p>
             <a:fld id="{1A98E586-BE26-45CF-A16C-F0F962A0AAAF}" type="datetimeFigureOut">
               <a:rPr lang="en-US" smtClean="0"/>
-              <a:t>12/3/2021</a:t>
+              <a:t>12/9/2021</a:t>
             </a:fld>
             <a:endParaRPr lang="en-US"/>
           </a:p>
@@ -1468,7 +1473,7 @@
           <a:p>
             <a:fld id="{1A98E586-BE26-45CF-A16C-F0F962A0AAAF}" type="datetimeFigureOut">
               <a:rPr lang="en-US" smtClean="0"/>
-              <a:t>12/3/2021</a:t>
+              <a:t>12/9/2021</a:t>
             </a:fld>
             <a:endParaRPr lang="en-US"/>
           </a:p>
@@ -1700,7 +1705,7 @@
           <a:p>
             <a:fld id="{1A98E586-BE26-45CF-A16C-F0F962A0AAAF}" type="datetimeFigureOut">
               <a:rPr lang="en-US" smtClean="0"/>
-              <a:t>12/3/2021</a:t>
+              <a:t>12/9/2021</a:t>
             </a:fld>
             <a:endParaRPr lang="en-US"/>
           </a:p>
@@ -2067,7 +2072,7 @@
           <a:p>
             <a:fld id="{1A98E586-BE26-45CF-A16C-F0F962A0AAAF}" type="datetimeFigureOut">
               <a:rPr lang="en-US" smtClean="0"/>
-              <a:t>12/3/2021</a:t>
+              <a:t>12/9/2021</a:t>
             </a:fld>
             <a:endParaRPr lang="en-US"/>
           </a:p>
@@ -2185,7 +2190,7 @@
           <a:p>
             <a:fld id="{1A98E586-BE26-45CF-A16C-F0F962A0AAAF}" type="datetimeFigureOut">
               <a:rPr lang="en-US" smtClean="0"/>
-              <a:t>12/3/2021</a:t>
+              <a:t>12/9/2021</a:t>
             </a:fld>
             <a:endParaRPr lang="en-US"/>
           </a:p>
@@ -2280,7 +2285,7 @@
           <a:p>
             <a:fld id="{1A98E586-BE26-45CF-A16C-F0F962A0AAAF}" type="datetimeFigureOut">
               <a:rPr lang="en-US" smtClean="0"/>
-              <a:t>12/3/2021</a:t>
+              <a:t>12/9/2021</a:t>
             </a:fld>
             <a:endParaRPr lang="en-US"/>
           </a:p>
@@ -2557,7 +2562,7 @@
           <a:p>
             <a:fld id="{1A98E586-BE26-45CF-A16C-F0F962A0AAAF}" type="datetimeFigureOut">
               <a:rPr lang="en-US" smtClean="0"/>
-              <a:t>12/3/2021</a:t>
+              <a:t>12/9/2021</a:t>
             </a:fld>
             <a:endParaRPr lang="en-US"/>
           </a:p>
@@ -2814,7 +2819,7 @@
           <a:p>
             <a:fld id="{1A98E586-BE26-45CF-A16C-F0F962A0AAAF}" type="datetimeFigureOut">
               <a:rPr lang="en-US" smtClean="0"/>
-              <a:t>12/3/2021</a:t>
+              <a:t>12/9/2021</a:t>
             </a:fld>
             <a:endParaRPr lang="en-US"/>
           </a:p>
@@ -3027,7 +3032,7 @@
           <a:p>
             <a:fld id="{1A98E586-BE26-45CF-A16C-F0F962A0AAAF}" type="datetimeFigureOut">
               <a:rPr lang="en-US" smtClean="0"/>
-              <a:t>12/3/2021</a:t>
+              <a:t>12/9/2021</a:t>
             </a:fld>
             <a:endParaRPr lang="en-US"/>
           </a:p>
@@ -3520,7 +3525,7 @@
               <a:t>, </a:t>
             </a:r>
             <a:r>
-              <a:rPr lang="en-US" sz="1600" dirty="0" err="1"/>
+              <a:rPr lang="en-US" sz="1600" u="sng" dirty="0" err="1"/>
               <a:t>TotalFee</a:t>
             </a:r>
             <a:r>
@@ -3622,8 +3627,16 @@
               <a:t>Username, </a:t>
             </a:r>
             <a:r>
-              <a:rPr lang="en-US" sz="1600" b="1" u="sng" dirty="0" err="1"/>
-              <a:t>OrderID</a:t>
+              <a:rPr lang="en-US" sz="1600" u="sng" dirty="0"/>
+              <a:t>Email,</a:t>
+            </a:r>
+            <a:r>
+              <a:rPr lang="en-US" sz="1600" dirty="0"/>
+              <a:t> </a:t>
+            </a:r>
+            <a:r>
+              <a:rPr lang="en-US" sz="1600" dirty="0" err="1"/>
+              <a:t>Amount,LastRejectionDateTime</a:t>
             </a:r>
             <a:r>
               <a:rPr lang="en-US" sz="1600" dirty="0"/>
@@ -4349,191 +4362,6 @@
       </p:cxnSp>
       <p:cxnSp>
         <p:nvCxnSpPr>
-          <p:cNvPr id="54" name="Connettore diritto 53">
-            <a:extLst>
-              <a:ext uri="{FF2B5EF4-FFF2-40B4-BE49-F238E27FC236}">
-                <a16:creationId xmlns:a16="http://schemas.microsoft.com/office/drawing/2014/main" id="{052B5768-D9DF-43CC-AFA9-1352852E251D}"/>
-              </a:ext>
-            </a:extLst>
-          </p:cNvPr>
-          <p:cNvCxnSpPr/>
-          <p:nvPr/>
-        </p:nvCxnSpPr>
-        <p:spPr>
-          <a:xfrm>
-            <a:off x="1136342" y="2503503"/>
-            <a:ext cx="0" cy="165387"/>
-          </a:xfrm>
-          <a:prstGeom prst="line">
-            <a:avLst/>
-          </a:prstGeom>
-        </p:spPr>
-        <p:style>
-          <a:lnRef idx="3">
-            <a:schemeClr val="accent5"/>
-          </a:lnRef>
-          <a:fillRef idx="0">
-            <a:schemeClr val="accent5"/>
-          </a:fillRef>
-          <a:effectRef idx="2">
-            <a:schemeClr val="accent5"/>
-          </a:effectRef>
-          <a:fontRef idx="minor">
-            <a:schemeClr val="tx1"/>
-          </a:fontRef>
-        </p:style>
-      </p:cxnSp>
-      <p:cxnSp>
-        <p:nvCxnSpPr>
-          <p:cNvPr id="56" name="Connettore diritto 55">
-            <a:extLst>
-              <a:ext uri="{FF2B5EF4-FFF2-40B4-BE49-F238E27FC236}">
-                <a16:creationId xmlns:a16="http://schemas.microsoft.com/office/drawing/2014/main" id="{AA6323C2-AA2F-493C-A339-650D9FB3998A}"/>
-              </a:ext>
-            </a:extLst>
-          </p:cNvPr>
-          <p:cNvCxnSpPr/>
-          <p:nvPr/>
-        </p:nvCxnSpPr>
-        <p:spPr>
-          <a:xfrm>
-            <a:off x="1136342" y="2668890"/>
-            <a:ext cx="3577701" cy="0"/>
-          </a:xfrm>
-          <a:prstGeom prst="line">
-            <a:avLst/>
-          </a:prstGeom>
-        </p:spPr>
-        <p:style>
-          <a:lnRef idx="3">
-            <a:schemeClr val="accent5"/>
-          </a:lnRef>
-          <a:fillRef idx="0">
-            <a:schemeClr val="accent5"/>
-          </a:fillRef>
-          <a:effectRef idx="2">
-            <a:schemeClr val="accent5"/>
-          </a:effectRef>
-          <a:fontRef idx="minor">
-            <a:schemeClr val="tx1"/>
-          </a:fontRef>
-        </p:style>
-      </p:cxnSp>
-      <p:cxnSp>
-        <p:nvCxnSpPr>
-          <p:cNvPr id="58" name="Connettore diritto 57">
-            <a:extLst>
-              <a:ext uri="{FF2B5EF4-FFF2-40B4-BE49-F238E27FC236}">
-                <a16:creationId xmlns:a16="http://schemas.microsoft.com/office/drawing/2014/main" id="{ED701DA7-3F2F-44E6-BB46-FC31715198DA}"/>
-              </a:ext>
-            </a:extLst>
-          </p:cNvPr>
-          <p:cNvCxnSpPr/>
-          <p:nvPr/>
-        </p:nvCxnSpPr>
-        <p:spPr>
-          <a:xfrm>
-            <a:off x="4714043" y="2668890"/>
-            <a:ext cx="0" cy="760110"/>
-          </a:xfrm>
-          <a:prstGeom prst="line">
-            <a:avLst/>
-          </a:prstGeom>
-        </p:spPr>
-        <p:style>
-          <a:lnRef idx="3">
-            <a:schemeClr val="accent5"/>
-          </a:lnRef>
-          <a:fillRef idx="0">
-            <a:schemeClr val="accent5"/>
-          </a:fillRef>
-          <a:effectRef idx="2">
-            <a:schemeClr val="accent5"/>
-          </a:effectRef>
-          <a:fontRef idx="minor">
-            <a:schemeClr val="tx1"/>
-          </a:fontRef>
-        </p:style>
-      </p:cxnSp>
-      <p:cxnSp>
-        <p:nvCxnSpPr>
-          <p:cNvPr id="60" name="Connettore diritto 59">
-            <a:extLst>
-              <a:ext uri="{FF2B5EF4-FFF2-40B4-BE49-F238E27FC236}">
-                <a16:creationId xmlns:a16="http://schemas.microsoft.com/office/drawing/2014/main" id="{70CC63AD-5735-4BD6-B9F9-16DEF6477B82}"/>
-              </a:ext>
-            </a:extLst>
-          </p:cNvPr>
-          <p:cNvCxnSpPr>
-            <a:cxnSpLocks/>
-          </p:cNvCxnSpPr>
-          <p:nvPr/>
-        </p:nvCxnSpPr>
-        <p:spPr>
-          <a:xfrm flipH="1">
-            <a:off x="1979720" y="3429000"/>
-            <a:ext cx="2734324" cy="0"/>
-          </a:xfrm>
-          <a:prstGeom prst="line">
-            <a:avLst/>
-          </a:prstGeom>
-        </p:spPr>
-        <p:style>
-          <a:lnRef idx="3">
-            <a:schemeClr val="accent5"/>
-          </a:lnRef>
-          <a:fillRef idx="0">
-            <a:schemeClr val="accent5"/>
-          </a:fillRef>
-          <a:effectRef idx="2">
-            <a:schemeClr val="accent5"/>
-          </a:effectRef>
-          <a:fontRef idx="minor">
-            <a:schemeClr val="tx1"/>
-          </a:fontRef>
-        </p:style>
-      </p:cxnSp>
-      <p:cxnSp>
-        <p:nvCxnSpPr>
-          <p:cNvPr id="63" name="Connettore 2 62">
-            <a:extLst>
-              <a:ext uri="{FF2B5EF4-FFF2-40B4-BE49-F238E27FC236}">
-                <a16:creationId xmlns:a16="http://schemas.microsoft.com/office/drawing/2014/main" id="{3CB48306-7084-4F93-AD61-6BC6005CCD3C}"/>
-              </a:ext>
-            </a:extLst>
-          </p:cNvPr>
-          <p:cNvCxnSpPr/>
-          <p:nvPr/>
-        </p:nvCxnSpPr>
-        <p:spPr>
-          <a:xfrm>
-            <a:off x="1979720" y="3429000"/>
-            <a:ext cx="0" cy="292594"/>
-          </a:xfrm>
-          <a:prstGeom prst="straightConnector1">
-            <a:avLst/>
-          </a:prstGeom>
-          <a:ln>
-            <a:tailEnd type="triangle"/>
-          </a:ln>
-        </p:spPr>
-        <p:style>
-          <a:lnRef idx="3">
-            <a:schemeClr val="accent5"/>
-          </a:lnRef>
-          <a:fillRef idx="0">
-            <a:schemeClr val="accent5"/>
-          </a:fillRef>
-          <a:effectRef idx="2">
-            <a:schemeClr val="accent5"/>
-          </a:effectRef>
-          <a:fontRef idx="minor">
-            <a:schemeClr val="tx1"/>
-          </a:fontRef>
-        </p:style>
-      </p:cxnSp>
-      <p:cxnSp>
-        <p:nvCxnSpPr>
           <p:cNvPr id="64" name="Connettore 2 63">
             <a:extLst>
               <a:ext uri="{FF2B5EF4-FFF2-40B4-BE49-F238E27FC236}">
@@ -4678,6 +4506,47 @@
           </a:fillRef>
           <a:effectRef idx="2">
             <a:schemeClr val="accent6"/>
+          </a:effectRef>
+          <a:fontRef idx="minor">
+            <a:schemeClr val="tx1"/>
+          </a:fontRef>
+        </p:style>
+      </p:cxnSp>
+      <p:cxnSp>
+        <p:nvCxnSpPr>
+          <p:cNvPr id="29" name="Connettore 2 28">
+            <a:extLst>
+              <a:ext uri="{FF2B5EF4-FFF2-40B4-BE49-F238E27FC236}">
+                <a16:creationId xmlns:a16="http://schemas.microsoft.com/office/drawing/2014/main" id="{ADC3AD82-F431-4AF7-8678-B10639D855D9}"/>
+              </a:ext>
+            </a:extLst>
+          </p:cNvPr>
+          <p:cNvCxnSpPr>
+            <a:cxnSpLocks/>
+          </p:cNvCxnSpPr>
+          <p:nvPr/>
+        </p:nvCxnSpPr>
+        <p:spPr>
+          <a:xfrm>
+            <a:off x="1936812" y="3190782"/>
+            <a:ext cx="0" cy="561144"/>
+          </a:xfrm>
+          <a:prstGeom prst="straightConnector1">
+            <a:avLst/>
+          </a:prstGeom>
+          <a:ln>
+            <a:tailEnd type="triangle"/>
+          </a:ln>
+        </p:spPr>
+        <p:style>
+          <a:lnRef idx="3">
+            <a:schemeClr val="accent5"/>
+          </a:lnRef>
+          <a:fillRef idx="0">
+            <a:schemeClr val="accent5"/>
+          </a:fillRef>
+          <a:effectRef idx="2">
+            <a:schemeClr val="accent5"/>
           </a:effectRef>
           <a:fontRef idx="minor">
             <a:schemeClr val="tx1"/>

--- a/Deliverables/Relational Model.pptx
+++ b/Deliverables/Relational Model.pptx
@@ -707,7 +707,7 @@
           <a:p>
             <a:fld id="{1A98E586-BE26-45CF-A16C-F0F962A0AAAF}" type="datetimeFigureOut">
               <a:rPr lang="en-US" smtClean="0"/>
-              <a:t>12/9/2021</a:t>
+              <a:t>12/10/2021</a:t>
             </a:fld>
             <a:endParaRPr lang="en-US"/>
           </a:p>
@@ -877,7 +877,7 @@
           <a:p>
             <a:fld id="{1A98E586-BE26-45CF-A16C-F0F962A0AAAF}" type="datetimeFigureOut">
               <a:rPr lang="en-US" smtClean="0"/>
-              <a:t>12/9/2021</a:t>
+              <a:t>12/10/2021</a:t>
             </a:fld>
             <a:endParaRPr lang="en-US"/>
           </a:p>
@@ -1057,7 +1057,7 @@
           <a:p>
             <a:fld id="{1A98E586-BE26-45CF-A16C-F0F962A0AAAF}" type="datetimeFigureOut">
               <a:rPr lang="en-US" smtClean="0"/>
-              <a:t>12/9/2021</a:t>
+              <a:t>12/10/2021</a:t>
             </a:fld>
             <a:endParaRPr lang="en-US"/>
           </a:p>
@@ -1227,7 +1227,7 @@
           <a:p>
             <a:fld id="{1A98E586-BE26-45CF-A16C-F0F962A0AAAF}" type="datetimeFigureOut">
               <a:rPr lang="en-US" smtClean="0"/>
-              <a:t>12/9/2021</a:t>
+              <a:t>12/10/2021</a:t>
             </a:fld>
             <a:endParaRPr lang="en-US"/>
           </a:p>
@@ -1473,7 +1473,7 @@
           <a:p>
             <a:fld id="{1A98E586-BE26-45CF-A16C-F0F962A0AAAF}" type="datetimeFigureOut">
               <a:rPr lang="en-US" smtClean="0"/>
-              <a:t>12/9/2021</a:t>
+              <a:t>12/10/2021</a:t>
             </a:fld>
             <a:endParaRPr lang="en-US"/>
           </a:p>
@@ -1705,7 +1705,7 @@
           <a:p>
             <a:fld id="{1A98E586-BE26-45CF-A16C-F0F962A0AAAF}" type="datetimeFigureOut">
               <a:rPr lang="en-US" smtClean="0"/>
-              <a:t>12/9/2021</a:t>
+              <a:t>12/10/2021</a:t>
             </a:fld>
             <a:endParaRPr lang="en-US"/>
           </a:p>
@@ -2072,7 +2072,7 @@
           <a:p>
             <a:fld id="{1A98E586-BE26-45CF-A16C-F0F962A0AAAF}" type="datetimeFigureOut">
               <a:rPr lang="en-US" smtClean="0"/>
-              <a:t>12/9/2021</a:t>
+              <a:t>12/10/2021</a:t>
             </a:fld>
             <a:endParaRPr lang="en-US"/>
           </a:p>
@@ -2190,7 +2190,7 @@
           <a:p>
             <a:fld id="{1A98E586-BE26-45CF-A16C-F0F962A0AAAF}" type="datetimeFigureOut">
               <a:rPr lang="en-US" smtClean="0"/>
-              <a:t>12/9/2021</a:t>
+              <a:t>12/10/2021</a:t>
             </a:fld>
             <a:endParaRPr lang="en-US"/>
           </a:p>
@@ -2285,7 +2285,7 @@
           <a:p>
             <a:fld id="{1A98E586-BE26-45CF-A16C-F0F962A0AAAF}" type="datetimeFigureOut">
               <a:rPr lang="en-US" smtClean="0"/>
-              <a:t>12/9/2021</a:t>
+              <a:t>12/10/2021</a:t>
             </a:fld>
             <a:endParaRPr lang="en-US"/>
           </a:p>
@@ -2562,7 +2562,7 @@
           <a:p>
             <a:fld id="{1A98E586-BE26-45CF-A16C-F0F962A0AAAF}" type="datetimeFigureOut">
               <a:rPr lang="en-US" smtClean="0"/>
-              <a:t>12/9/2021</a:t>
+              <a:t>12/10/2021</a:t>
             </a:fld>
             <a:endParaRPr lang="en-US"/>
           </a:p>
@@ -2819,7 +2819,7 @@
           <a:p>
             <a:fld id="{1A98E586-BE26-45CF-A16C-F0F962A0AAAF}" type="datetimeFigureOut">
               <a:rPr lang="en-US" smtClean="0"/>
-              <a:t>12/9/2021</a:t>
+              <a:t>12/10/2021</a:t>
             </a:fld>
             <a:endParaRPr lang="en-US"/>
           </a:p>
@@ -3032,7 +3032,7 @@
           <a:p>
             <a:fld id="{1A98E586-BE26-45CF-A16C-F0F962A0AAAF}" type="datetimeFigureOut">
               <a:rPr lang="en-US" smtClean="0"/>
-              <a:t>12/9/2021</a:t>
+              <a:t>12/10/2021</a:t>
             </a:fld>
             <a:endParaRPr lang="en-US"/>
           </a:p>
@@ -3525,7 +3525,7 @@
               <a:t>, </a:t>
             </a:r>
             <a:r>
-              <a:rPr lang="en-US" sz="1600" u="sng" dirty="0" err="1"/>
+              <a:rPr lang="en-US" sz="1600" dirty="0" err="1"/>
               <a:t>TotalFee</a:t>
             </a:r>
             <a:r>
@@ -3798,7 +3798,7 @@
         </p:nvCxnSpPr>
         <p:spPr>
           <a:xfrm flipV="1">
-            <a:off x="1136342" y="2806494"/>
+            <a:off x="7111014" y="2564042"/>
             <a:ext cx="0" cy="242451"/>
           </a:xfrm>
           <a:prstGeom prst="line">
@@ -3865,13 +3865,15 @@
               </a:ext>
             </a:extLst>
           </p:cNvPr>
-          <p:cNvCxnSpPr/>
+          <p:cNvCxnSpPr>
+            <a:cxnSpLocks/>
+          </p:cNvCxnSpPr>
           <p:nvPr/>
         </p:nvCxnSpPr>
         <p:spPr>
-          <a:xfrm flipV="1">
-            <a:off x="7111014" y="2531286"/>
-            <a:ext cx="0" cy="275208"/>
+          <a:xfrm>
+            <a:off x="1136342" y="2806493"/>
+            <a:ext cx="0" cy="242451"/>
           </a:xfrm>
           <a:prstGeom prst="straightConnector1">
             <a:avLst/>
@@ -3911,8 +3913,8 @@
         </p:nvCxnSpPr>
         <p:spPr>
           <a:xfrm flipV="1">
-            <a:off x="2148396" y="4101484"/>
-            <a:ext cx="0" cy="427278"/>
+            <a:off x="7918881" y="2503503"/>
+            <a:ext cx="0" cy="1597981"/>
           </a:xfrm>
           <a:prstGeom prst="line">
             <a:avLst/>
@@ -3982,13 +3984,15 @@
               </a:ext>
             </a:extLst>
           </p:cNvPr>
-          <p:cNvCxnSpPr/>
+          <p:cNvCxnSpPr>
+            <a:cxnSpLocks/>
+          </p:cNvCxnSpPr>
           <p:nvPr/>
         </p:nvCxnSpPr>
         <p:spPr>
-          <a:xfrm flipV="1">
-            <a:off x="7892249" y="2531286"/>
-            <a:ext cx="0" cy="1606858"/>
+          <a:xfrm>
+            <a:off x="2166152" y="4101484"/>
+            <a:ext cx="0" cy="319596"/>
           </a:xfrm>
           <a:prstGeom prst="straightConnector1">
             <a:avLst/>
@@ -3996,354 +4000,6 @@
           <a:ln>
             <a:tailEnd type="triangle"/>
           </a:ln>
-        </p:spPr>
-        <p:style>
-          <a:lnRef idx="3">
-            <a:schemeClr val="accent1"/>
-          </a:lnRef>
-          <a:fillRef idx="0">
-            <a:schemeClr val="accent1"/>
-          </a:fillRef>
-          <a:effectRef idx="2">
-            <a:schemeClr val="accent1"/>
-          </a:effectRef>
-          <a:fontRef idx="minor">
-            <a:schemeClr val="tx1"/>
-          </a:fontRef>
-        </p:style>
-      </p:cxnSp>
-      <p:cxnSp>
-        <p:nvCxnSpPr>
-          <p:cNvPr id="39" name="Connettore diritto 38">
-            <a:extLst>
-              <a:ext uri="{FF2B5EF4-FFF2-40B4-BE49-F238E27FC236}">
-                <a16:creationId xmlns:a16="http://schemas.microsoft.com/office/drawing/2014/main" id="{74D0D290-98BD-4E1C-9B8A-68F7974DAA13}"/>
-              </a:ext>
-            </a:extLst>
-          </p:cNvPr>
-          <p:cNvCxnSpPr>
-            <a:cxnSpLocks/>
-          </p:cNvCxnSpPr>
-          <p:nvPr/>
-        </p:nvCxnSpPr>
-        <p:spPr>
-          <a:xfrm flipV="1">
-            <a:off x="1697115" y="4793942"/>
-            <a:ext cx="0" cy="427278"/>
-          </a:xfrm>
-          <a:prstGeom prst="line">
-            <a:avLst/>
-          </a:prstGeom>
-          <a:ln/>
-        </p:spPr>
-        <p:style>
-          <a:lnRef idx="3">
-            <a:schemeClr val="accent1"/>
-          </a:lnRef>
-          <a:fillRef idx="0">
-            <a:schemeClr val="accent1"/>
-          </a:fillRef>
-          <a:effectRef idx="2">
-            <a:schemeClr val="accent1"/>
-          </a:effectRef>
-          <a:fontRef idx="minor">
-            <a:schemeClr val="tx1"/>
-          </a:fontRef>
-        </p:style>
-      </p:cxnSp>
-      <p:cxnSp>
-        <p:nvCxnSpPr>
-          <p:cNvPr id="40" name="Connettore 2 39">
-            <a:extLst>
-              <a:ext uri="{FF2B5EF4-FFF2-40B4-BE49-F238E27FC236}">
-                <a16:creationId xmlns:a16="http://schemas.microsoft.com/office/drawing/2014/main" id="{41299AB6-5DA5-45F2-8C3F-C5D5267EF73A}"/>
-              </a:ext>
-            </a:extLst>
-          </p:cNvPr>
-          <p:cNvCxnSpPr>
-            <a:cxnSpLocks/>
-          </p:cNvCxnSpPr>
-          <p:nvPr/>
-        </p:nvCxnSpPr>
-        <p:spPr>
-          <a:xfrm flipV="1">
-            <a:off x="8896905" y="2503503"/>
-            <a:ext cx="0" cy="2290439"/>
-          </a:xfrm>
-          <a:prstGeom prst="straightConnector1">
-            <a:avLst/>
-          </a:prstGeom>
-          <a:ln>
-            <a:tailEnd type="triangle"/>
-          </a:ln>
-        </p:spPr>
-        <p:style>
-          <a:lnRef idx="3">
-            <a:schemeClr val="accent1"/>
-          </a:lnRef>
-          <a:fillRef idx="0">
-            <a:schemeClr val="accent1"/>
-          </a:fillRef>
-          <a:effectRef idx="2">
-            <a:schemeClr val="accent1"/>
-          </a:effectRef>
-          <a:fontRef idx="minor">
-            <a:schemeClr val="tx1"/>
-          </a:fontRef>
-        </p:style>
-      </p:cxnSp>
-      <p:cxnSp>
-        <p:nvCxnSpPr>
-          <p:cNvPr id="42" name="Connettore diritto 41">
-            <a:extLst>
-              <a:ext uri="{FF2B5EF4-FFF2-40B4-BE49-F238E27FC236}">
-                <a16:creationId xmlns:a16="http://schemas.microsoft.com/office/drawing/2014/main" id="{72456A9F-1B47-488F-A1B8-78BA8B2E07D3}"/>
-              </a:ext>
-            </a:extLst>
-          </p:cNvPr>
-          <p:cNvCxnSpPr/>
-          <p:nvPr/>
-        </p:nvCxnSpPr>
-        <p:spPr>
-          <a:xfrm>
-            <a:off x="1695635" y="4793942"/>
-            <a:ext cx="7201270" cy="0"/>
-          </a:xfrm>
-          <a:prstGeom prst="line">
-            <a:avLst/>
-          </a:prstGeom>
-        </p:spPr>
-        <p:style>
-          <a:lnRef idx="3">
-            <a:schemeClr val="accent1"/>
-          </a:lnRef>
-          <a:fillRef idx="0">
-            <a:schemeClr val="accent1"/>
-          </a:fillRef>
-          <a:effectRef idx="2">
-            <a:schemeClr val="accent1"/>
-          </a:effectRef>
-          <a:fontRef idx="minor">
-            <a:schemeClr val="tx1"/>
-          </a:fontRef>
-        </p:style>
-      </p:cxnSp>
-      <p:cxnSp>
-        <p:nvCxnSpPr>
-          <p:cNvPr id="44" name="Connettore diritto 43">
-            <a:extLst>
-              <a:ext uri="{FF2B5EF4-FFF2-40B4-BE49-F238E27FC236}">
-                <a16:creationId xmlns:a16="http://schemas.microsoft.com/office/drawing/2014/main" id="{C64D4429-60FA-45EE-BF8C-06B8C7AC6F78}"/>
-              </a:ext>
-            </a:extLst>
-          </p:cNvPr>
-          <p:cNvCxnSpPr>
-            <a:cxnSpLocks/>
-          </p:cNvCxnSpPr>
-          <p:nvPr/>
-        </p:nvCxnSpPr>
-        <p:spPr>
-          <a:xfrm flipV="1">
-            <a:off x="2648505" y="4838660"/>
-            <a:ext cx="0" cy="427278"/>
-          </a:xfrm>
-          <a:prstGeom prst="line">
-            <a:avLst/>
-          </a:prstGeom>
-          <a:ln/>
-        </p:spPr>
-        <p:style>
-          <a:lnRef idx="3">
-            <a:schemeClr val="accent1"/>
-          </a:lnRef>
-          <a:fillRef idx="0">
-            <a:schemeClr val="accent1"/>
-          </a:fillRef>
-          <a:effectRef idx="2">
-            <a:schemeClr val="accent1"/>
-          </a:effectRef>
-          <a:fontRef idx="minor">
-            <a:schemeClr val="tx1"/>
-          </a:fontRef>
-        </p:style>
-      </p:cxnSp>
-      <p:cxnSp>
-        <p:nvCxnSpPr>
-          <p:cNvPr id="45" name="Connettore 2 44">
-            <a:extLst>
-              <a:ext uri="{FF2B5EF4-FFF2-40B4-BE49-F238E27FC236}">
-                <a16:creationId xmlns:a16="http://schemas.microsoft.com/office/drawing/2014/main" id="{E58B353A-7475-45C2-BBF4-54D0EF161A0C}"/>
-              </a:ext>
-            </a:extLst>
-          </p:cNvPr>
-          <p:cNvCxnSpPr>
-            <a:cxnSpLocks/>
-          </p:cNvCxnSpPr>
-          <p:nvPr/>
-        </p:nvCxnSpPr>
-        <p:spPr>
-          <a:xfrm flipV="1">
-            <a:off x="9848295" y="2503503"/>
-            <a:ext cx="0" cy="2362941"/>
-          </a:xfrm>
-          <a:prstGeom prst="straightConnector1">
-            <a:avLst/>
-          </a:prstGeom>
-          <a:ln>
-            <a:tailEnd type="triangle"/>
-          </a:ln>
-        </p:spPr>
-        <p:style>
-          <a:lnRef idx="3">
-            <a:schemeClr val="accent1"/>
-          </a:lnRef>
-          <a:fillRef idx="0">
-            <a:schemeClr val="accent1"/>
-          </a:fillRef>
-          <a:effectRef idx="2">
-            <a:schemeClr val="accent1"/>
-          </a:effectRef>
-          <a:fontRef idx="minor">
-            <a:schemeClr val="tx1"/>
-          </a:fontRef>
-        </p:style>
-      </p:cxnSp>
-      <p:cxnSp>
-        <p:nvCxnSpPr>
-          <p:cNvPr id="48" name="Connettore diritto 47">
-            <a:extLst>
-              <a:ext uri="{FF2B5EF4-FFF2-40B4-BE49-F238E27FC236}">
-                <a16:creationId xmlns:a16="http://schemas.microsoft.com/office/drawing/2014/main" id="{2609C8AE-A337-4821-9957-C306855BE0F1}"/>
-              </a:ext>
-            </a:extLst>
-          </p:cNvPr>
-          <p:cNvCxnSpPr>
-            <a:cxnSpLocks/>
-          </p:cNvCxnSpPr>
-          <p:nvPr/>
-        </p:nvCxnSpPr>
-        <p:spPr>
-          <a:xfrm flipV="1">
-            <a:off x="3758214" y="4911901"/>
-            <a:ext cx="0" cy="427278"/>
-          </a:xfrm>
-          <a:prstGeom prst="line">
-            <a:avLst/>
-          </a:prstGeom>
-          <a:ln/>
-        </p:spPr>
-        <p:style>
-          <a:lnRef idx="3">
-            <a:schemeClr val="accent1"/>
-          </a:lnRef>
-          <a:fillRef idx="0">
-            <a:schemeClr val="accent1"/>
-          </a:fillRef>
-          <a:effectRef idx="2">
-            <a:schemeClr val="accent1"/>
-          </a:effectRef>
-          <a:fontRef idx="minor">
-            <a:schemeClr val="tx1"/>
-          </a:fontRef>
-        </p:style>
-      </p:cxnSp>
-      <p:cxnSp>
-        <p:nvCxnSpPr>
-          <p:cNvPr id="49" name="Connettore 2 48">
-            <a:extLst>
-              <a:ext uri="{FF2B5EF4-FFF2-40B4-BE49-F238E27FC236}">
-                <a16:creationId xmlns:a16="http://schemas.microsoft.com/office/drawing/2014/main" id="{36ED2F0B-8820-46EE-AD3B-5D6E87BDC597}"/>
-              </a:ext>
-            </a:extLst>
-          </p:cNvPr>
-          <p:cNvCxnSpPr>
-            <a:cxnSpLocks/>
-          </p:cNvCxnSpPr>
-          <p:nvPr/>
-        </p:nvCxnSpPr>
-        <p:spPr>
-          <a:xfrm flipV="1">
-            <a:off x="10958004" y="2503503"/>
-            <a:ext cx="0" cy="2436182"/>
-          </a:xfrm>
-          <a:prstGeom prst="straightConnector1">
-            <a:avLst/>
-          </a:prstGeom>
-          <a:ln>
-            <a:tailEnd type="triangle"/>
-          </a:ln>
-        </p:spPr>
-        <p:style>
-          <a:lnRef idx="3">
-            <a:schemeClr val="accent1"/>
-          </a:lnRef>
-          <a:fillRef idx="0">
-            <a:schemeClr val="accent1"/>
-          </a:fillRef>
-          <a:effectRef idx="2">
-            <a:schemeClr val="accent1"/>
-          </a:effectRef>
-          <a:fontRef idx="minor">
-            <a:schemeClr val="tx1"/>
-          </a:fontRef>
-        </p:style>
-      </p:cxnSp>
-      <p:cxnSp>
-        <p:nvCxnSpPr>
-          <p:cNvPr id="50" name="Connettore diritto 49">
-            <a:extLst>
-              <a:ext uri="{FF2B5EF4-FFF2-40B4-BE49-F238E27FC236}">
-                <a16:creationId xmlns:a16="http://schemas.microsoft.com/office/drawing/2014/main" id="{EE45D5E6-2D18-445C-ABA8-AD16820F2C83}"/>
-              </a:ext>
-            </a:extLst>
-          </p:cNvPr>
-          <p:cNvCxnSpPr/>
-          <p:nvPr/>
-        </p:nvCxnSpPr>
-        <p:spPr>
-          <a:xfrm>
-            <a:off x="3758214" y="4906723"/>
-            <a:ext cx="7201270" cy="0"/>
-          </a:xfrm>
-          <a:prstGeom prst="line">
-            <a:avLst/>
-          </a:prstGeom>
-        </p:spPr>
-        <p:style>
-          <a:lnRef idx="3">
-            <a:schemeClr val="accent1"/>
-          </a:lnRef>
-          <a:fillRef idx="0">
-            <a:schemeClr val="accent1"/>
-          </a:fillRef>
-          <a:effectRef idx="2">
-            <a:schemeClr val="accent1"/>
-          </a:effectRef>
-          <a:fontRef idx="minor">
-            <a:schemeClr val="tx1"/>
-          </a:fontRef>
-        </p:style>
-      </p:cxnSp>
-      <p:cxnSp>
-        <p:nvCxnSpPr>
-          <p:cNvPr id="52" name="Connettore diritto 51">
-            <a:extLst>
-              <a:ext uri="{FF2B5EF4-FFF2-40B4-BE49-F238E27FC236}">
-                <a16:creationId xmlns:a16="http://schemas.microsoft.com/office/drawing/2014/main" id="{D885E607-425A-44AC-8719-B9A566CB529B}"/>
-              </a:ext>
-            </a:extLst>
-          </p:cNvPr>
-          <p:cNvCxnSpPr/>
-          <p:nvPr/>
-        </p:nvCxnSpPr>
-        <p:spPr>
-          <a:xfrm>
-            <a:off x="2647025" y="4838660"/>
-            <a:ext cx="7201270" cy="0"/>
-          </a:xfrm>
-          <a:prstGeom prst="line">
-            <a:avLst/>
-          </a:prstGeom>
         </p:spPr>
         <p:style>
           <a:lnRef idx="3">
@@ -4375,9 +4031,9 @@
           <p:nvPr/>
         </p:nvCxnSpPr>
         <p:spPr>
-          <a:xfrm>
-            <a:off x="1136342" y="3160450"/>
-            <a:ext cx="0" cy="561144"/>
+          <a:xfrm flipV="1">
+            <a:off x="1287262" y="3160450"/>
+            <a:ext cx="8878" cy="591476"/>
           </a:xfrm>
           <a:prstGeom prst="straightConnector1">
             <a:avLst/>
@@ -4415,7 +4071,7 @@
         </p:nvCxnSpPr>
         <p:spPr>
           <a:xfrm flipV="1">
-            <a:off x="1296140" y="5557421"/>
+            <a:off x="5157926" y="5264458"/>
             <a:ext cx="0" cy="301841"/>
           </a:xfrm>
           <a:prstGeom prst="line">
@@ -4482,13 +4138,15 @@
               </a:ext>
             </a:extLst>
           </p:cNvPr>
-          <p:cNvCxnSpPr/>
+          <p:cNvCxnSpPr>
+            <a:cxnSpLocks/>
+          </p:cNvCxnSpPr>
           <p:nvPr/>
         </p:nvCxnSpPr>
         <p:spPr>
-          <a:xfrm flipV="1">
-            <a:off x="5149049" y="5265938"/>
-            <a:ext cx="0" cy="291483"/>
+          <a:xfrm flipH="1">
+            <a:off x="1287261" y="5566300"/>
+            <a:ext cx="8879" cy="319595"/>
           </a:xfrm>
           <a:prstGeom prst="straightConnector1">
             <a:avLst/>
@@ -4527,9 +4185,9 @@
           <p:nvPr/>
         </p:nvCxnSpPr>
         <p:spPr>
-          <a:xfrm>
-            <a:off x="1936812" y="3190782"/>
-            <a:ext cx="0" cy="561144"/>
+          <a:xfrm flipH="1" flipV="1">
+            <a:off x="2068497" y="3160450"/>
+            <a:ext cx="1" cy="591476"/>
           </a:xfrm>
           <a:prstGeom prst="straightConnector1">
             <a:avLst/>
@@ -4547,6 +4205,363 @@
           </a:fillRef>
           <a:effectRef idx="2">
             <a:schemeClr val="accent5"/>
+          </a:effectRef>
+          <a:fontRef idx="minor">
+            <a:schemeClr val="tx1"/>
+          </a:fontRef>
+        </p:style>
+      </p:cxnSp>
+      <p:cxnSp>
+        <p:nvCxnSpPr>
+          <p:cNvPr id="31" name="Connettore diritto 30">
+            <a:extLst>
+              <a:ext uri="{FF2B5EF4-FFF2-40B4-BE49-F238E27FC236}">
+                <a16:creationId xmlns:a16="http://schemas.microsoft.com/office/drawing/2014/main" id="{40E8AA2B-08FF-44C2-8BF8-75D435615232}"/>
+              </a:ext>
+            </a:extLst>
+          </p:cNvPr>
+          <p:cNvCxnSpPr>
+            <a:cxnSpLocks/>
+          </p:cNvCxnSpPr>
+          <p:nvPr/>
+        </p:nvCxnSpPr>
+        <p:spPr>
+          <a:xfrm flipV="1">
+            <a:off x="8967926" y="2442839"/>
+            <a:ext cx="0" cy="2364396"/>
+          </a:xfrm>
+          <a:prstGeom prst="line">
+            <a:avLst/>
+          </a:prstGeom>
+          <a:ln/>
+        </p:spPr>
+        <p:style>
+          <a:lnRef idx="3">
+            <a:schemeClr val="accent1"/>
+          </a:lnRef>
+          <a:fillRef idx="0">
+            <a:schemeClr val="accent1"/>
+          </a:fillRef>
+          <a:effectRef idx="2">
+            <a:schemeClr val="accent1"/>
+          </a:effectRef>
+          <a:fontRef idx="minor">
+            <a:schemeClr val="tx1"/>
+          </a:fontRef>
+        </p:style>
+      </p:cxnSp>
+      <p:cxnSp>
+        <p:nvCxnSpPr>
+          <p:cNvPr id="33" name="Connettore diritto 32">
+            <a:extLst>
+              <a:ext uri="{FF2B5EF4-FFF2-40B4-BE49-F238E27FC236}">
+                <a16:creationId xmlns:a16="http://schemas.microsoft.com/office/drawing/2014/main" id="{4F182207-FCF8-4908-ACA2-D1A18402A104}"/>
+              </a:ext>
+            </a:extLst>
+          </p:cNvPr>
+          <p:cNvCxnSpPr>
+            <a:cxnSpLocks/>
+          </p:cNvCxnSpPr>
+          <p:nvPr/>
+        </p:nvCxnSpPr>
+        <p:spPr>
+          <a:xfrm>
+            <a:off x="1731146" y="4782144"/>
+            <a:ext cx="7208668" cy="18043"/>
+          </a:xfrm>
+          <a:prstGeom prst="line">
+            <a:avLst/>
+          </a:prstGeom>
+          <a:ln/>
+        </p:spPr>
+        <p:style>
+          <a:lnRef idx="3">
+            <a:schemeClr val="accent1"/>
+          </a:lnRef>
+          <a:fillRef idx="0">
+            <a:schemeClr val="accent1"/>
+          </a:fillRef>
+          <a:effectRef idx="2">
+            <a:schemeClr val="accent1"/>
+          </a:effectRef>
+          <a:fontRef idx="minor">
+            <a:schemeClr val="tx1"/>
+          </a:fontRef>
+        </p:style>
+      </p:cxnSp>
+      <p:cxnSp>
+        <p:nvCxnSpPr>
+          <p:cNvPr id="35" name="Connettore 2 34">
+            <a:extLst>
+              <a:ext uri="{FF2B5EF4-FFF2-40B4-BE49-F238E27FC236}">
+                <a16:creationId xmlns:a16="http://schemas.microsoft.com/office/drawing/2014/main" id="{C5797591-1CC4-422F-A5BC-376E2ADE38FA}"/>
+              </a:ext>
+            </a:extLst>
+          </p:cNvPr>
+          <p:cNvCxnSpPr>
+            <a:cxnSpLocks/>
+          </p:cNvCxnSpPr>
+          <p:nvPr/>
+        </p:nvCxnSpPr>
+        <p:spPr>
+          <a:xfrm>
+            <a:off x="1722269" y="4807235"/>
+            <a:ext cx="0" cy="280410"/>
+          </a:xfrm>
+          <a:prstGeom prst="straightConnector1">
+            <a:avLst/>
+          </a:prstGeom>
+          <a:ln>
+            <a:tailEnd type="triangle"/>
+          </a:ln>
+        </p:spPr>
+        <p:style>
+          <a:lnRef idx="3">
+            <a:schemeClr val="accent1"/>
+          </a:lnRef>
+          <a:fillRef idx="0">
+            <a:schemeClr val="accent1"/>
+          </a:fillRef>
+          <a:effectRef idx="2">
+            <a:schemeClr val="accent1"/>
+          </a:effectRef>
+          <a:fontRef idx="minor">
+            <a:schemeClr val="tx1"/>
+          </a:fontRef>
+        </p:style>
+      </p:cxnSp>
+      <p:cxnSp>
+        <p:nvCxnSpPr>
+          <p:cNvPr id="56" name="Connettore diritto 55">
+            <a:extLst>
+              <a:ext uri="{FF2B5EF4-FFF2-40B4-BE49-F238E27FC236}">
+                <a16:creationId xmlns:a16="http://schemas.microsoft.com/office/drawing/2014/main" id="{4852C515-929D-4C3B-9D2C-985605C35B3D}"/>
+              </a:ext>
+            </a:extLst>
+          </p:cNvPr>
+          <p:cNvCxnSpPr>
+            <a:cxnSpLocks/>
+          </p:cNvCxnSpPr>
+          <p:nvPr/>
+        </p:nvCxnSpPr>
+        <p:spPr>
+          <a:xfrm flipV="1">
+            <a:off x="9749161" y="2573432"/>
+            <a:ext cx="0" cy="2364396"/>
+          </a:xfrm>
+          <a:prstGeom prst="line">
+            <a:avLst/>
+          </a:prstGeom>
+          <a:ln/>
+        </p:spPr>
+        <p:style>
+          <a:lnRef idx="3">
+            <a:schemeClr val="accent1"/>
+          </a:lnRef>
+          <a:fillRef idx="0">
+            <a:schemeClr val="accent1"/>
+          </a:fillRef>
+          <a:effectRef idx="2">
+            <a:schemeClr val="accent1"/>
+          </a:effectRef>
+          <a:fontRef idx="minor">
+            <a:schemeClr val="tx1"/>
+          </a:fontRef>
+        </p:style>
+      </p:cxnSp>
+      <p:cxnSp>
+        <p:nvCxnSpPr>
+          <p:cNvPr id="57" name="Connettore diritto 56">
+            <a:extLst>
+              <a:ext uri="{FF2B5EF4-FFF2-40B4-BE49-F238E27FC236}">
+                <a16:creationId xmlns:a16="http://schemas.microsoft.com/office/drawing/2014/main" id="{2B47E9FA-6CB7-416B-AB63-5445F0C58D14}"/>
+              </a:ext>
+            </a:extLst>
+          </p:cNvPr>
+          <p:cNvCxnSpPr>
+            <a:cxnSpLocks/>
+          </p:cNvCxnSpPr>
+          <p:nvPr/>
+        </p:nvCxnSpPr>
+        <p:spPr>
+          <a:xfrm>
+            <a:off x="2512381" y="4912737"/>
+            <a:ext cx="7208668" cy="18043"/>
+          </a:xfrm>
+          <a:prstGeom prst="line">
+            <a:avLst/>
+          </a:prstGeom>
+          <a:ln/>
+        </p:spPr>
+        <p:style>
+          <a:lnRef idx="3">
+            <a:schemeClr val="accent1"/>
+          </a:lnRef>
+          <a:fillRef idx="0">
+            <a:schemeClr val="accent1"/>
+          </a:fillRef>
+          <a:effectRef idx="2">
+            <a:schemeClr val="accent1"/>
+          </a:effectRef>
+          <a:fontRef idx="minor">
+            <a:schemeClr val="tx1"/>
+          </a:fontRef>
+        </p:style>
+      </p:cxnSp>
+      <p:cxnSp>
+        <p:nvCxnSpPr>
+          <p:cNvPr id="58" name="Connettore 2 57">
+            <a:extLst>
+              <a:ext uri="{FF2B5EF4-FFF2-40B4-BE49-F238E27FC236}">
+                <a16:creationId xmlns:a16="http://schemas.microsoft.com/office/drawing/2014/main" id="{7FD92787-6D58-48B0-A86B-7BDC4ABEB440}"/>
+              </a:ext>
+            </a:extLst>
+          </p:cNvPr>
+          <p:cNvCxnSpPr>
+            <a:cxnSpLocks/>
+          </p:cNvCxnSpPr>
+          <p:nvPr/>
+        </p:nvCxnSpPr>
+        <p:spPr>
+          <a:xfrm>
+            <a:off x="2503504" y="4937828"/>
+            <a:ext cx="0" cy="280410"/>
+          </a:xfrm>
+          <a:prstGeom prst="straightConnector1">
+            <a:avLst/>
+          </a:prstGeom>
+          <a:ln>
+            <a:tailEnd type="triangle"/>
+          </a:ln>
+        </p:spPr>
+        <p:style>
+          <a:lnRef idx="3">
+            <a:schemeClr val="accent1"/>
+          </a:lnRef>
+          <a:fillRef idx="0">
+            <a:schemeClr val="accent1"/>
+          </a:fillRef>
+          <a:effectRef idx="2">
+            <a:schemeClr val="accent1"/>
+          </a:effectRef>
+          <a:fontRef idx="minor">
+            <a:schemeClr val="tx1"/>
+          </a:fontRef>
+        </p:style>
+      </p:cxnSp>
+      <p:cxnSp>
+        <p:nvCxnSpPr>
+          <p:cNvPr id="62" name="Connettore diritto 61">
+            <a:extLst>
+              <a:ext uri="{FF2B5EF4-FFF2-40B4-BE49-F238E27FC236}">
+                <a16:creationId xmlns:a16="http://schemas.microsoft.com/office/drawing/2014/main" id="{E67FE65E-576A-4ACE-9699-261DA9C440A9}"/>
+              </a:ext>
+            </a:extLst>
+          </p:cNvPr>
+          <p:cNvCxnSpPr>
+            <a:cxnSpLocks/>
+          </p:cNvCxnSpPr>
+          <p:nvPr/>
+        </p:nvCxnSpPr>
+        <p:spPr>
+          <a:xfrm flipV="1">
+            <a:off x="11197701" y="2639297"/>
+            <a:ext cx="0" cy="2364396"/>
+          </a:xfrm>
+          <a:prstGeom prst="line">
+            <a:avLst/>
+          </a:prstGeom>
+          <a:ln/>
+        </p:spPr>
+        <p:style>
+          <a:lnRef idx="3">
+            <a:schemeClr val="accent1"/>
+          </a:lnRef>
+          <a:fillRef idx="0">
+            <a:schemeClr val="accent1"/>
+          </a:fillRef>
+          <a:effectRef idx="2">
+            <a:schemeClr val="accent1"/>
+          </a:effectRef>
+          <a:fontRef idx="minor">
+            <a:schemeClr val="tx1"/>
+          </a:fontRef>
+        </p:style>
+      </p:cxnSp>
+      <p:cxnSp>
+        <p:nvCxnSpPr>
+          <p:cNvPr id="63" name="Connettore diritto 62">
+            <a:extLst>
+              <a:ext uri="{FF2B5EF4-FFF2-40B4-BE49-F238E27FC236}">
+                <a16:creationId xmlns:a16="http://schemas.microsoft.com/office/drawing/2014/main" id="{EDB1154D-CBD2-4753-8C7E-9A1BEEEA037A}"/>
+              </a:ext>
+            </a:extLst>
+          </p:cNvPr>
+          <p:cNvCxnSpPr>
+            <a:cxnSpLocks/>
+          </p:cNvCxnSpPr>
+          <p:nvPr/>
+        </p:nvCxnSpPr>
+        <p:spPr>
+          <a:xfrm>
+            <a:off x="3960921" y="4978602"/>
+            <a:ext cx="7208668" cy="18043"/>
+          </a:xfrm>
+          <a:prstGeom prst="line">
+            <a:avLst/>
+          </a:prstGeom>
+          <a:ln/>
+        </p:spPr>
+        <p:style>
+          <a:lnRef idx="3">
+            <a:schemeClr val="accent1"/>
+          </a:lnRef>
+          <a:fillRef idx="0">
+            <a:schemeClr val="accent1"/>
+          </a:fillRef>
+          <a:effectRef idx="2">
+            <a:schemeClr val="accent1"/>
+          </a:effectRef>
+          <a:fontRef idx="minor">
+            <a:schemeClr val="tx1"/>
+          </a:fontRef>
+        </p:style>
+      </p:cxnSp>
+      <p:cxnSp>
+        <p:nvCxnSpPr>
+          <p:cNvPr id="65" name="Connettore 2 64">
+            <a:extLst>
+              <a:ext uri="{FF2B5EF4-FFF2-40B4-BE49-F238E27FC236}">
+                <a16:creationId xmlns:a16="http://schemas.microsoft.com/office/drawing/2014/main" id="{C4D9F40D-09D9-4967-9652-8A4A3588F4DF}"/>
+              </a:ext>
+            </a:extLst>
+          </p:cNvPr>
+          <p:cNvCxnSpPr>
+            <a:cxnSpLocks/>
+          </p:cNvCxnSpPr>
+          <p:nvPr/>
+        </p:nvCxnSpPr>
+        <p:spPr>
+          <a:xfrm>
+            <a:off x="3952044" y="5003693"/>
+            <a:ext cx="0" cy="280410"/>
+          </a:xfrm>
+          <a:prstGeom prst="straightConnector1">
+            <a:avLst/>
+          </a:prstGeom>
+          <a:ln>
+            <a:tailEnd type="triangle"/>
+          </a:ln>
+        </p:spPr>
+        <p:style>
+          <a:lnRef idx="3">
+            <a:schemeClr val="accent1"/>
+          </a:lnRef>
+          <a:fillRef idx="0">
+            <a:schemeClr val="accent1"/>
+          </a:fillRef>
+          <a:effectRef idx="2">
+            <a:schemeClr val="accent1"/>
           </a:effectRef>
           <a:fontRef idx="minor">
             <a:schemeClr val="tx1"/>

--- a/Deliverables/Relational Model.pptx
+++ b/Deliverables/Relational Model.pptx
@@ -707,7 +707,7 @@
           <a:p>
             <a:fld id="{1A98E586-BE26-45CF-A16C-F0F962A0AAAF}" type="datetimeFigureOut">
               <a:rPr lang="en-US" smtClean="0"/>
-              <a:t>12/10/2021</a:t>
+              <a:t>3/3/2022</a:t>
             </a:fld>
             <a:endParaRPr lang="en-US"/>
           </a:p>
@@ -877,7 +877,7 @@
           <a:p>
             <a:fld id="{1A98E586-BE26-45CF-A16C-F0F962A0AAAF}" type="datetimeFigureOut">
               <a:rPr lang="en-US" smtClean="0"/>
-              <a:t>12/10/2021</a:t>
+              <a:t>3/3/2022</a:t>
             </a:fld>
             <a:endParaRPr lang="en-US"/>
           </a:p>
@@ -1057,7 +1057,7 @@
           <a:p>
             <a:fld id="{1A98E586-BE26-45CF-A16C-F0F962A0AAAF}" type="datetimeFigureOut">
               <a:rPr lang="en-US" smtClean="0"/>
-              <a:t>12/10/2021</a:t>
+              <a:t>3/3/2022</a:t>
             </a:fld>
             <a:endParaRPr lang="en-US"/>
           </a:p>
@@ -1227,7 +1227,7 @@
           <a:p>
             <a:fld id="{1A98E586-BE26-45CF-A16C-F0F962A0AAAF}" type="datetimeFigureOut">
               <a:rPr lang="en-US" smtClean="0"/>
-              <a:t>12/10/2021</a:t>
+              <a:t>3/3/2022</a:t>
             </a:fld>
             <a:endParaRPr lang="en-US"/>
           </a:p>
@@ -1473,7 +1473,7 @@
           <a:p>
             <a:fld id="{1A98E586-BE26-45CF-A16C-F0F962A0AAAF}" type="datetimeFigureOut">
               <a:rPr lang="en-US" smtClean="0"/>
-              <a:t>12/10/2021</a:t>
+              <a:t>3/3/2022</a:t>
             </a:fld>
             <a:endParaRPr lang="en-US"/>
           </a:p>
@@ -1705,7 +1705,7 @@
           <a:p>
             <a:fld id="{1A98E586-BE26-45CF-A16C-F0F962A0AAAF}" type="datetimeFigureOut">
               <a:rPr lang="en-US" smtClean="0"/>
-              <a:t>12/10/2021</a:t>
+              <a:t>3/3/2022</a:t>
             </a:fld>
             <a:endParaRPr lang="en-US"/>
           </a:p>
@@ -2072,7 +2072,7 @@
           <a:p>
             <a:fld id="{1A98E586-BE26-45CF-A16C-F0F962A0AAAF}" type="datetimeFigureOut">
               <a:rPr lang="en-US" smtClean="0"/>
-              <a:t>12/10/2021</a:t>
+              <a:t>3/3/2022</a:t>
             </a:fld>
             <a:endParaRPr lang="en-US"/>
           </a:p>
@@ -2190,7 +2190,7 @@
           <a:p>
             <a:fld id="{1A98E586-BE26-45CF-A16C-F0F962A0AAAF}" type="datetimeFigureOut">
               <a:rPr lang="en-US" smtClean="0"/>
-              <a:t>12/10/2021</a:t>
+              <a:t>3/3/2022</a:t>
             </a:fld>
             <a:endParaRPr lang="en-US"/>
           </a:p>
@@ -2285,7 +2285,7 @@
           <a:p>
             <a:fld id="{1A98E586-BE26-45CF-A16C-F0F962A0AAAF}" type="datetimeFigureOut">
               <a:rPr lang="en-US" smtClean="0"/>
-              <a:t>12/10/2021</a:t>
+              <a:t>3/3/2022</a:t>
             </a:fld>
             <a:endParaRPr lang="en-US"/>
           </a:p>
@@ -2562,7 +2562,7 @@
           <a:p>
             <a:fld id="{1A98E586-BE26-45CF-A16C-F0F962A0AAAF}" type="datetimeFigureOut">
               <a:rPr lang="en-US" smtClean="0"/>
-              <a:t>12/10/2021</a:t>
+              <a:t>3/3/2022</a:t>
             </a:fld>
             <a:endParaRPr lang="en-US"/>
           </a:p>
@@ -2819,7 +2819,7 @@
           <a:p>
             <a:fld id="{1A98E586-BE26-45CF-A16C-F0F962A0AAAF}" type="datetimeFigureOut">
               <a:rPr lang="en-US" smtClean="0"/>
-              <a:t>12/10/2021</a:t>
+              <a:t>3/3/2022</a:t>
             </a:fld>
             <a:endParaRPr lang="en-US"/>
           </a:p>
@@ -3032,7 +3032,7 @@
           <a:p>
             <a:fld id="{1A98E586-BE26-45CF-A16C-F0F962A0AAAF}" type="datetimeFigureOut">
               <a:rPr lang="en-US" smtClean="0"/>
-              <a:t>12/10/2021</a:t>
+              <a:t>3/3/2022</a:t>
             </a:fld>
             <a:endParaRPr lang="en-US"/>
           </a:p>
@@ -3623,12 +3623,20 @@
               <a:t>Alert(</a:t>
             </a:r>
             <a:r>
+              <a:rPr lang="en-US" sz="1600" b="1" dirty="0" err="1"/>
+              <a:t>AlertID</a:t>
+            </a:r>
+            <a:r>
+              <a:rPr lang="en-US" sz="1600" dirty="0" err="1"/>
+              <a:t>,</a:t>
+            </a:r>
+            <a:r>
+              <a:rPr lang="en-US" sz="1600" u="sng" dirty="0" err="1"/>
+              <a:t>Username</a:t>
+            </a:r>
+            <a:r>
               <a:rPr lang="en-US" sz="1600" b="1" u="sng" dirty="0"/>
-              <a:t>Username, </a:t>
-            </a:r>
-            <a:r>
-              <a:rPr lang="en-US" sz="1600" u="sng" dirty="0"/>
-              <a:t>Email,</a:t>
+              <a:t>,</a:t>
             </a:r>
             <a:r>
               <a:rPr lang="en-US" sz="1600" dirty="0"/>
@@ -4031,9 +4039,9 @@
           <p:nvPr/>
         </p:nvCxnSpPr>
         <p:spPr>
-          <a:xfrm flipV="1">
-            <a:off x="1287262" y="3160450"/>
-            <a:ext cx="8878" cy="591476"/>
+          <a:xfrm flipH="1" flipV="1">
+            <a:off x="1296140" y="3160450"/>
+            <a:ext cx="435006" cy="559294"/>
           </a:xfrm>
           <a:prstGeom prst="straightConnector1">
             <a:avLst/>
@@ -4164,47 +4172,6 @@
           </a:fillRef>
           <a:effectRef idx="2">
             <a:schemeClr val="accent6"/>
-          </a:effectRef>
-          <a:fontRef idx="minor">
-            <a:schemeClr val="tx1"/>
-          </a:fontRef>
-        </p:style>
-      </p:cxnSp>
-      <p:cxnSp>
-        <p:nvCxnSpPr>
-          <p:cNvPr id="29" name="Connettore 2 28">
-            <a:extLst>
-              <a:ext uri="{FF2B5EF4-FFF2-40B4-BE49-F238E27FC236}">
-                <a16:creationId xmlns:a16="http://schemas.microsoft.com/office/drawing/2014/main" id="{ADC3AD82-F431-4AF7-8678-B10639D855D9}"/>
-              </a:ext>
-            </a:extLst>
-          </p:cNvPr>
-          <p:cNvCxnSpPr>
-            <a:cxnSpLocks/>
-          </p:cNvCxnSpPr>
-          <p:nvPr/>
-        </p:nvCxnSpPr>
-        <p:spPr>
-          <a:xfrm flipH="1" flipV="1">
-            <a:off x="2068497" y="3160450"/>
-            <a:ext cx="1" cy="591476"/>
-          </a:xfrm>
-          <a:prstGeom prst="straightConnector1">
-            <a:avLst/>
-          </a:prstGeom>
-          <a:ln>
-            <a:tailEnd type="triangle"/>
-          </a:ln>
-        </p:spPr>
-        <p:style>
-          <a:lnRef idx="3">
-            <a:schemeClr val="accent5"/>
-          </a:lnRef>
-          <a:fillRef idx="0">
-            <a:schemeClr val="accent5"/>
-          </a:fillRef>
-          <a:effectRef idx="2">
-            <a:schemeClr val="accent5"/>
           </a:effectRef>
           <a:fontRef idx="minor">
             <a:schemeClr val="tx1"/>

--- a/Deliverables/Relational Model.pptx
+++ b/Deliverables/Relational Model.pptx
@@ -3554,11 +3554,15 @@
             </a:r>
             <a:r>
               <a:rPr lang="en-US" sz="1600" u="sng" dirty="0" err="1"/>
-              <a:t>Username,ProductID</a:t>
+              <a:t>Username</a:t>
+            </a:r>
+            <a:r>
+              <a:rPr lang="en-US" sz="1600" u="sng" dirty="0"/>
+              <a:t>,</a:t>
             </a:r>
             <a:r>
               <a:rPr lang="en-US" sz="1600" dirty="0"/>
-              <a:t>, </a:t>
+              <a:t> </a:t>
             </a:r>
             <a:r>
               <a:rPr lang="en-US" sz="1600" u="sng" dirty="0" err="1"/>
@@ -3706,15 +3710,7 @@
             </a:r>
             <a:r>
               <a:rPr lang="en-US" sz="1600" dirty="0"/>
-              <a:t>, Name, </a:t>
-            </a:r>
-            <a:r>
-              <a:rPr lang="en-US" sz="1600" u="sng" dirty="0" err="1"/>
-              <a:t>ServiceID</a:t>
-            </a:r>
-            <a:r>
-              <a:rPr lang="en-US" sz="1600" dirty="0"/>
-              <a:t>)</a:t>
+              <a:t>, Name)</a:t>
             </a:r>
           </a:p>
           <a:p>
@@ -3907,125 +3903,6 @@
       </p:cxnSp>
       <p:cxnSp>
         <p:nvCxnSpPr>
-          <p:cNvPr id="32" name="Connettore diritto 31">
-            <a:extLst>
-              <a:ext uri="{FF2B5EF4-FFF2-40B4-BE49-F238E27FC236}">
-                <a16:creationId xmlns:a16="http://schemas.microsoft.com/office/drawing/2014/main" id="{565341AA-39F2-45CC-AF37-8CCABA90E6CF}"/>
-              </a:ext>
-            </a:extLst>
-          </p:cNvPr>
-          <p:cNvCxnSpPr>
-            <a:cxnSpLocks/>
-          </p:cNvCxnSpPr>
-          <p:nvPr/>
-        </p:nvCxnSpPr>
-        <p:spPr>
-          <a:xfrm flipV="1">
-            <a:off x="7918881" y="2503503"/>
-            <a:ext cx="0" cy="1597981"/>
-          </a:xfrm>
-          <a:prstGeom prst="line">
-            <a:avLst/>
-          </a:prstGeom>
-          <a:ln/>
-        </p:spPr>
-        <p:style>
-          <a:lnRef idx="3">
-            <a:schemeClr val="accent1"/>
-          </a:lnRef>
-          <a:fillRef idx="0">
-            <a:schemeClr val="accent1"/>
-          </a:fillRef>
-          <a:effectRef idx="2">
-            <a:schemeClr val="accent1"/>
-          </a:effectRef>
-          <a:fontRef idx="minor">
-            <a:schemeClr val="tx1"/>
-          </a:fontRef>
-        </p:style>
-      </p:cxnSp>
-      <p:cxnSp>
-        <p:nvCxnSpPr>
-          <p:cNvPr id="34" name="Connettore diritto 33">
-            <a:extLst>
-              <a:ext uri="{FF2B5EF4-FFF2-40B4-BE49-F238E27FC236}">
-                <a16:creationId xmlns:a16="http://schemas.microsoft.com/office/drawing/2014/main" id="{BB3C27C9-C8AA-4DC7-8BE1-70163A2E313E}"/>
-              </a:ext>
-            </a:extLst>
-          </p:cNvPr>
-          <p:cNvCxnSpPr>
-            <a:cxnSpLocks/>
-          </p:cNvCxnSpPr>
-          <p:nvPr/>
-        </p:nvCxnSpPr>
-        <p:spPr>
-          <a:xfrm>
-            <a:off x="2148396" y="4101484"/>
-            <a:ext cx="5752730" cy="0"/>
-          </a:xfrm>
-          <a:prstGeom prst="line">
-            <a:avLst/>
-          </a:prstGeom>
-          <a:ln/>
-        </p:spPr>
-        <p:style>
-          <a:lnRef idx="3">
-            <a:schemeClr val="accent1"/>
-          </a:lnRef>
-          <a:fillRef idx="0">
-            <a:schemeClr val="accent1"/>
-          </a:fillRef>
-          <a:effectRef idx="2">
-            <a:schemeClr val="accent1"/>
-          </a:effectRef>
-          <a:fontRef idx="minor">
-            <a:schemeClr val="tx1"/>
-          </a:fontRef>
-        </p:style>
-      </p:cxnSp>
-      <p:cxnSp>
-        <p:nvCxnSpPr>
-          <p:cNvPr id="36" name="Connettore 2 35">
-            <a:extLst>
-              <a:ext uri="{FF2B5EF4-FFF2-40B4-BE49-F238E27FC236}">
-                <a16:creationId xmlns:a16="http://schemas.microsoft.com/office/drawing/2014/main" id="{66DE653A-187C-4A4C-9346-EF15F1F3BE95}"/>
-              </a:ext>
-            </a:extLst>
-          </p:cNvPr>
-          <p:cNvCxnSpPr>
-            <a:cxnSpLocks/>
-          </p:cNvCxnSpPr>
-          <p:nvPr/>
-        </p:nvCxnSpPr>
-        <p:spPr>
-          <a:xfrm>
-            <a:off x="2166152" y="4101484"/>
-            <a:ext cx="0" cy="319596"/>
-          </a:xfrm>
-          <a:prstGeom prst="straightConnector1">
-            <a:avLst/>
-          </a:prstGeom>
-          <a:ln>
-            <a:tailEnd type="triangle"/>
-          </a:ln>
-        </p:spPr>
-        <p:style>
-          <a:lnRef idx="3">
-            <a:schemeClr val="accent1"/>
-          </a:lnRef>
-          <a:fillRef idx="0">
-            <a:schemeClr val="accent1"/>
-          </a:fillRef>
-          <a:effectRef idx="2">
-            <a:schemeClr val="accent1"/>
-          </a:effectRef>
-          <a:fontRef idx="minor">
-            <a:schemeClr val="tx1"/>
-          </a:fontRef>
-        </p:style>
-      </p:cxnSp>
-      <p:cxnSp>
-        <p:nvCxnSpPr>
           <p:cNvPr id="64" name="Connettore 2 63">
             <a:extLst>
               <a:ext uri="{FF2B5EF4-FFF2-40B4-BE49-F238E27FC236}">
@@ -4067,119 +3944,6 @@
       </p:cxnSp>
       <p:cxnSp>
         <p:nvCxnSpPr>
-          <p:cNvPr id="71" name="Connettore diritto 70">
-            <a:extLst>
-              <a:ext uri="{FF2B5EF4-FFF2-40B4-BE49-F238E27FC236}">
-                <a16:creationId xmlns:a16="http://schemas.microsoft.com/office/drawing/2014/main" id="{173A6671-1CDE-49CA-BD1C-882914BECF9A}"/>
-              </a:ext>
-            </a:extLst>
-          </p:cNvPr>
-          <p:cNvCxnSpPr/>
-          <p:nvPr/>
-        </p:nvCxnSpPr>
-        <p:spPr>
-          <a:xfrm flipV="1">
-            <a:off x="5157926" y="5264458"/>
-            <a:ext cx="0" cy="301841"/>
-          </a:xfrm>
-          <a:prstGeom prst="line">
-            <a:avLst/>
-          </a:prstGeom>
-        </p:spPr>
-        <p:style>
-          <a:lnRef idx="3">
-            <a:schemeClr val="accent6"/>
-          </a:lnRef>
-          <a:fillRef idx="0">
-            <a:schemeClr val="accent6"/>
-          </a:fillRef>
-          <a:effectRef idx="2">
-            <a:schemeClr val="accent6"/>
-          </a:effectRef>
-          <a:fontRef idx="minor">
-            <a:schemeClr val="tx1"/>
-          </a:fontRef>
-        </p:style>
-      </p:cxnSp>
-      <p:cxnSp>
-        <p:nvCxnSpPr>
-          <p:cNvPr id="73" name="Connettore diritto 72">
-            <a:extLst>
-              <a:ext uri="{FF2B5EF4-FFF2-40B4-BE49-F238E27FC236}">
-                <a16:creationId xmlns:a16="http://schemas.microsoft.com/office/drawing/2014/main" id="{6535E949-05F1-4EC9-9310-1CD1CA0909B6}"/>
-              </a:ext>
-            </a:extLst>
-          </p:cNvPr>
-          <p:cNvCxnSpPr/>
-          <p:nvPr/>
-        </p:nvCxnSpPr>
-        <p:spPr>
-          <a:xfrm>
-            <a:off x="1287262" y="5566299"/>
-            <a:ext cx="3870664" cy="0"/>
-          </a:xfrm>
-          <a:prstGeom prst="line">
-            <a:avLst/>
-          </a:prstGeom>
-        </p:spPr>
-        <p:style>
-          <a:lnRef idx="3">
-            <a:schemeClr val="accent6"/>
-          </a:lnRef>
-          <a:fillRef idx="0">
-            <a:schemeClr val="accent6"/>
-          </a:fillRef>
-          <a:effectRef idx="2">
-            <a:schemeClr val="accent6"/>
-          </a:effectRef>
-          <a:fontRef idx="minor">
-            <a:schemeClr val="tx1"/>
-          </a:fontRef>
-        </p:style>
-      </p:cxnSp>
-      <p:cxnSp>
-        <p:nvCxnSpPr>
-          <p:cNvPr id="75" name="Connettore 2 74">
-            <a:extLst>
-              <a:ext uri="{FF2B5EF4-FFF2-40B4-BE49-F238E27FC236}">
-                <a16:creationId xmlns:a16="http://schemas.microsoft.com/office/drawing/2014/main" id="{B00E5BE3-1B10-4AC5-9262-3C1EB9E25006}"/>
-              </a:ext>
-            </a:extLst>
-          </p:cNvPr>
-          <p:cNvCxnSpPr>
-            <a:cxnSpLocks/>
-          </p:cNvCxnSpPr>
-          <p:nvPr/>
-        </p:nvCxnSpPr>
-        <p:spPr>
-          <a:xfrm flipH="1">
-            <a:off x="1287261" y="5566300"/>
-            <a:ext cx="8879" cy="319595"/>
-          </a:xfrm>
-          <a:prstGeom prst="straightConnector1">
-            <a:avLst/>
-          </a:prstGeom>
-          <a:ln>
-            <a:tailEnd type="triangle"/>
-          </a:ln>
-        </p:spPr>
-        <p:style>
-          <a:lnRef idx="3">
-            <a:schemeClr val="accent6"/>
-          </a:lnRef>
-          <a:fillRef idx="0">
-            <a:schemeClr val="accent6"/>
-          </a:fillRef>
-          <a:effectRef idx="2">
-            <a:schemeClr val="accent6"/>
-          </a:effectRef>
-          <a:fontRef idx="minor">
-            <a:schemeClr val="tx1"/>
-          </a:fontRef>
-        </p:style>
-      </p:cxnSp>
-      <p:cxnSp>
-        <p:nvCxnSpPr>
           <p:cNvPr id="31" name="Connettore diritto 30">
             <a:extLst>
               <a:ext uri="{FF2B5EF4-FFF2-40B4-BE49-F238E27FC236}">
@@ -4194,7 +3958,7 @@
         </p:nvCxnSpPr>
         <p:spPr>
           <a:xfrm flipV="1">
-            <a:off x="8967926" y="2442839"/>
+            <a:off x="8089037" y="2442839"/>
             <a:ext cx="0" cy="2364396"/>
           </a:xfrm>
           <a:prstGeom prst="line">
@@ -4234,7 +3998,7 @@
         <p:spPr>
           <a:xfrm>
             <a:off x="1731146" y="4782144"/>
-            <a:ext cx="7208668" cy="18043"/>
+            <a:ext cx="6357891" cy="0"/>
           </a:xfrm>
           <a:prstGeom prst="line">
             <a:avLst/>
@@ -4313,7 +4077,7 @@
         </p:nvCxnSpPr>
         <p:spPr>
           <a:xfrm flipV="1">
-            <a:off x="9749161" y="2573432"/>
+            <a:off x="9030070" y="2537546"/>
             <a:ext cx="0" cy="2364396"/>
           </a:xfrm>
           <a:prstGeom prst="line">
@@ -4353,7 +4117,7 @@
         <p:spPr>
           <a:xfrm>
             <a:off x="2512381" y="4912737"/>
-            <a:ext cx="7208668" cy="18043"/>
+            <a:ext cx="6517689" cy="25091"/>
           </a:xfrm>
           <a:prstGeom prst="line">
             <a:avLst/>
@@ -4432,7 +4196,7 @@
         </p:nvCxnSpPr>
         <p:spPr>
           <a:xfrm flipV="1">
-            <a:off x="11197701" y="2639297"/>
+            <a:off x="10309934" y="2639297"/>
             <a:ext cx="0" cy="2364396"/>
           </a:xfrm>
           <a:prstGeom prst="line">
@@ -4472,7 +4236,7 @@
         <p:spPr>
           <a:xfrm>
             <a:off x="3960921" y="4978602"/>
-            <a:ext cx="7208668" cy="18043"/>
+            <a:ext cx="6349013" cy="0"/>
           </a:xfrm>
           <a:prstGeom prst="line">
             <a:avLst/>

--- a/Deliverables/Relational Model.pptx
+++ b/Deliverables/Relational Model.pptx
@@ -3693,8 +3693,12 @@
               <a:t>Service Package(</a:t>
             </a:r>
             <a:r>
+              <a:rPr lang="en-US" sz="1600" b="1" dirty="0" err="1"/>
+              <a:t>PackageID</a:t>
+            </a:r>
+            <a:r>
               <a:rPr lang="en-US" sz="1600" b="1" dirty="0"/>
-              <a:t>ID, </a:t>
+              <a:t>, </a:t>
             </a:r>
             <a:r>
               <a:rPr lang="en-US" sz="1600" b="1" dirty="0" err="1"/>

--- a/Deliverables/Relational Model.pptx
+++ b/Deliverables/Relational Model.pptx
@@ -707,7 +707,7 @@
           <a:p>
             <a:fld id="{1A98E586-BE26-45CF-A16C-F0F962A0AAAF}" type="datetimeFigureOut">
               <a:rPr lang="en-US" smtClean="0"/>
-              <a:t>3/3/2022</a:t>
+              <a:t>4/14/2022</a:t>
             </a:fld>
             <a:endParaRPr lang="en-US"/>
           </a:p>
@@ -877,7 +877,7 @@
           <a:p>
             <a:fld id="{1A98E586-BE26-45CF-A16C-F0F962A0AAAF}" type="datetimeFigureOut">
               <a:rPr lang="en-US" smtClean="0"/>
-              <a:t>3/3/2022</a:t>
+              <a:t>4/14/2022</a:t>
             </a:fld>
             <a:endParaRPr lang="en-US"/>
           </a:p>
@@ -1057,7 +1057,7 @@
           <a:p>
             <a:fld id="{1A98E586-BE26-45CF-A16C-F0F962A0AAAF}" type="datetimeFigureOut">
               <a:rPr lang="en-US" smtClean="0"/>
-              <a:t>3/3/2022</a:t>
+              <a:t>4/14/2022</a:t>
             </a:fld>
             <a:endParaRPr lang="en-US"/>
           </a:p>
@@ -1227,7 +1227,7 @@
           <a:p>
             <a:fld id="{1A98E586-BE26-45CF-A16C-F0F962A0AAAF}" type="datetimeFigureOut">
               <a:rPr lang="en-US" smtClean="0"/>
-              <a:t>3/3/2022</a:t>
+              <a:t>4/14/2022</a:t>
             </a:fld>
             <a:endParaRPr lang="en-US"/>
           </a:p>
@@ -1473,7 +1473,7 @@
           <a:p>
             <a:fld id="{1A98E586-BE26-45CF-A16C-F0F962A0AAAF}" type="datetimeFigureOut">
               <a:rPr lang="en-US" smtClean="0"/>
-              <a:t>3/3/2022</a:t>
+              <a:t>4/14/2022</a:t>
             </a:fld>
             <a:endParaRPr lang="en-US"/>
           </a:p>
@@ -1705,7 +1705,7 @@
           <a:p>
             <a:fld id="{1A98E586-BE26-45CF-A16C-F0F962A0AAAF}" type="datetimeFigureOut">
               <a:rPr lang="en-US" smtClean="0"/>
-              <a:t>3/3/2022</a:t>
+              <a:t>4/14/2022</a:t>
             </a:fld>
             <a:endParaRPr lang="en-US"/>
           </a:p>
@@ -2072,7 +2072,7 @@
           <a:p>
             <a:fld id="{1A98E586-BE26-45CF-A16C-F0F962A0AAAF}" type="datetimeFigureOut">
               <a:rPr lang="en-US" smtClean="0"/>
-              <a:t>3/3/2022</a:t>
+              <a:t>4/14/2022</a:t>
             </a:fld>
             <a:endParaRPr lang="en-US"/>
           </a:p>
@@ -2190,7 +2190,7 @@
           <a:p>
             <a:fld id="{1A98E586-BE26-45CF-A16C-F0F962A0AAAF}" type="datetimeFigureOut">
               <a:rPr lang="en-US" smtClean="0"/>
-              <a:t>3/3/2022</a:t>
+              <a:t>4/14/2022</a:t>
             </a:fld>
             <a:endParaRPr lang="en-US"/>
           </a:p>
@@ -2285,7 +2285,7 @@
           <a:p>
             <a:fld id="{1A98E586-BE26-45CF-A16C-F0F962A0AAAF}" type="datetimeFigureOut">
               <a:rPr lang="en-US" smtClean="0"/>
-              <a:t>3/3/2022</a:t>
+              <a:t>4/14/2022</a:t>
             </a:fld>
             <a:endParaRPr lang="en-US"/>
           </a:p>
@@ -2562,7 +2562,7 @@
           <a:p>
             <a:fld id="{1A98E586-BE26-45CF-A16C-F0F962A0AAAF}" type="datetimeFigureOut">
               <a:rPr lang="en-US" smtClean="0"/>
-              <a:t>3/3/2022</a:t>
+              <a:t>4/14/2022</a:t>
             </a:fld>
             <a:endParaRPr lang="en-US"/>
           </a:p>
@@ -2819,7 +2819,7 @@
           <a:p>
             <a:fld id="{1A98E586-BE26-45CF-A16C-F0F962A0AAAF}" type="datetimeFigureOut">
               <a:rPr lang="en-US" smtClean="0"/>
-              <a:t>3/3/2022</a:t>
+              <a:t>4/14/2022</a:t>
             </a:fld>
             <a:endParaRPr lang="en-US"/>
           </a:p>
@@ -3032,7 +3032,7 @@
           <a:p>
             <a:fld id="{1A98E586-BE26-45CF-A16C-F0F962A0AAAF}" type="datetimeFigureOut">
               <a:rPr lang="en-US" smtClean="0"/>
-              <a:t>3/3/2022</a:t>
+              <a:t>4/14/2022</a:t>
             </a:fld>
             <a:endParaRPr lang="en-US"/>
           </a:p>
@@ -3490,12 +3490,12 @@
         <p:spPr>
           <a:xfrm>
             <a:off x="182881" y="1950790"/>
-            <a:ext cx="11853948" cy="4245823"/>
+            <a:ext cx="11853948" cy="4795243"/>
           </a:xfrm>
         </p:spPr>
         <p:txBody>
           <a:bodyPr>
-            <a:normAutofit lnSpcReduction="10000"/>
+            <a:normAutofit fontScale="92500" lnSpcReduction="10000"/>
           </a:bodyPr>
           <a:lstStyle/>
           <a:p>
@@ -3778,6 +3778,29 @@
             <a:r>
               <a:rPr lang="en-US" sz="1600" dirty="0" err="1"/>
               <a:t>FeeGB</a:t>
+            </a:r>
+            <a:r>
+              <a:rPr lang="en-US" sz="1600" dirty="0"/>
+              <a:t>)</a:t>
+            </a:r>
+          </a:p>
+          <a:p>
+            <a:pPr algn="l">
+              <a:lnSpc>
+                <a:spcPct val="250000"/>
+              </a:lnSpc>
+            </a:pPr>
+            <a:r>
+              <a:rPr lang="en-US" sz="1600" dirty="0"/>
+              <a:t>Employee(</a:t>
+            </a:r>
+            <a:r>
+              <a:rPr lang="en-US" sz="1600" b="1" dirty="0" err="1"/>
+              <a:t>ID</a:t>
+            </a:r>
+            <a:r>
+              <a:rPr lang="en-US" sz="1600" dirty="0" err="1"/>
+              <a:t>,Password</a:t>
             </a:r>
             <a:r>
               <a:rPr lang="en-US" sz="1600" dirty="0"/>

--- a/Deliverables/Relational Model.pptx
+++ b/Deliverables/Relational Model.pptx
@@ -707,7 +707,7 @@
           <a:p>
             <a:fld id="{1A98E586-BE26-45CF-A16C-F0F962A0AAAF}" type="datetimeFigureOut">
               <a:rPr lang="en-US" smtClean="0"/>
-              <a:t>4/14/2022</a:t>
+              <a:t>5/4/2022</a:t>
             </a:fld>
             <a:endParaRPr lang="en-US"/>
           </a:p>
@@ -877,7 +877,7 @@
           <a:p>
             <a:fld id="{1A98E586-BE26-45CF-A16C-F0F962A0AAAF}" type="datetimeFigureOut">
               <a:rPr lang="en-US" smtClean="0"/>
-              <a:t>4/14/2022</a:t>
+              <a:t>5/4/2022</a:t>
             </a:fld>
             <a:endParaRPr lang="en-US"/>
           </a:p>
@@ -1057,7 +1057,7 @@
           <a:p>
             <a:fld id="{1A98E586-BE26-45CF-A16C-F0F962A0AAAF}" type="datetimeFigureOut">
               <a:rPr lang="en-US" smtClean="0"/>
-              <a:t>4/14/2022</a:t>
+              <a:t>5/4/2022</a:t>
             </a:fld>
             <a:endParaRPr lang="en-US"/>
           </a:p>
@@ -1227,7 +1227,7 @@
           <a:p>
             <a:fld id="{1A98E586-BE26-45CF-A16C-F0F962A0AAAF}" type="datetimeFigureOut">
               <a:rPr lang="en-US" smtClean="0"/>
-              <a:t>4/14/2022</a:t>
+              <a:t>5/4/2022</a:t>
             </a:fld>
             <a:endParaRPr lang="en-US"/>
           </a:p>
@@ -1473,7 +1473,7 @@
           <a:p>
             <a:fld id="{1A98E586-BE26-45CF-A16C-F0F962A0AAAF}" type="datetimeFigureOut">
               <a:rPr lang="en-US" smtClean="0"/>
-              <a:t>4/14/2022</a:t>
+              <a:t>5/4/2022</a:t>
             </a:fld>
             <a:endParaRPr lang="en-US"/>
           </a:p>
@@ -1705,7 +1705,7 @@
           <a:p>
             <a:fld id="{1A98E586-BE26-45CF-A16C-F0F962A0AAAF}" type="datetimeFigureOut">
               <a:rPr lang="en-US" smtClean="0"/>
-              <a:t>4/14/2022</a:t>
+              <a:t>5/4/2022</a:t>
             </a:fld>
             <a:endParaRPr lang="en-US"/>
           </a:p>
@@ -2072,7 +2072,7 @@
           <a:p>
             <a:fld id="{1A98E586-BE26-45CF-A16C-F0F962A0AAAF}" type="datetimeFigureOut">
               <a:rPr lang="en-US" smtClean="0"/>
-              <a:t>4/14/2022</a:t>
+              <a:t>5/4/2022</a:t>
             </a:fld>
             <a:endParaRPr lang="en-US"/>
           </a:p>
@@ -2190,7 +2190,7 @@
           <a:p>
             <a:fld id="{1A98E586-BE26-45CF-A16C-F0F962A0AAAF}" type="datetimeFigureOut">
               <a:rPr lang="en-US" smtClean="0"/>
-              <a:t>4/14/2022</a:t>
+              <a:t>5/4/2022</a:t>
             </a:fld>
             <a:endParaRPr lang="en-US"/>
           </a:p>
@@ -2285,7 +2285,7 @@
           <a:p>
             <a:fld id="{1A98E586-BE26-45CF-A16C-F0F962A0AAAF}" type="datetimeFigureOut">
               <a:rPr lang="en-US" smtClean="0"/>
-              <a:t>4/14/2022</a:t>
+              <a:t>5/4/2022</a:t>
             </a:fld>
             <a:endParaRPr lang="en-US"/>
           </a:p>
@@ -2562,7 +2562,7 @@
           <a:p>
             <a:fld id="{1A98E586-BE26-45CF-A16C-F0F962A0AAAF}" type="datetimeFigureOut">
               <a:rPr lang="en-US" smtClean="0"/>
-              <a:t>4/14/2022</a:t>
+              <a:t>5/4/2022</a:t>
             </a:fld>
             <a:endParaRPr lang="en-US"/>
           </a:p>
@@ -2819,7 +2819,7 @@
           <a:p>
             <a:fld id="{1A98E586-BE26-45CF-A16C-F0F962A0AAAF}" type="datetimeFigureOut">
               <a:rPr lang="en-US" smtClean="0"/>
-              <a:t>4/14/2022</a:t>
+              <a:t>5/4/2022</a:t>
             </a:fld>
             <a:endParaRPr lang="en-US"/>
           </a:p>
@@ -3032,7 +3032,7 @@
           <a:p>
             <a:fld id="{1A98E586-BE26-45CF-A16C-F0F962A0AAAF}" type="datetimeFigureOut">
               <a:rPr lang="en-US" smtClean="0"/>
-              <a:t>4/14/2022</a:t>
+              <a:t>5/4/2022</a:t>
             </a:fld>
             <a:endParaRPr lang="en-US"/>
           </a:p>
@@ -3506,7 +3506,7 @@
             </a:pPr>
             <a:r>
               <a:rPr lang="en-US" sz="1600" dirty="0"/>
-              <a:t>Order(</a:t>
+              <a:t>Orders(</a:t>
             </a:r>
             <a:r>
               <a:rPr lang="en-US" sz="1600" b="1" dirty="0" err="1"/>
@@ -3608,13 +3608,14 @@
               <a:t>, Email, Password, </a:t>
             </a:r>
             <a:r>
-              <a:rPr lang="en-US" sz="1600" dirty="0" err="1"/>
+              <a:rPr lang="en-US" sz="1600" err="1"/>
               <a:t>isInsolvent</a:t>
             </a:r>
             <a:r>
-              <a:rPr lang="en-US" sz="1600" dirty="0"/>
-              <a:t>)</a:t>
-            </a:r>
+              <a:rPr lang="en-US" sz="1600"/>
+              <a:t>,FailedAttempts)</a:t>
+            </a:r>
+            <a:endParaRPr lang="en-US" sz="1600" dirty="0"/>
           </a:p>
           <a:p>
             <a:pPr algn="l">

--- a/Deliverables/Relational Model.pptx
+++ b/Deliverables/Relational Model.pptx
@@ -707,7 +707,7 @@
           <a:p>
             <a:fld id="{1A98E586-BE26-45CF-A16C-F0F962A0AAAF}" type="datetimeFigureOut">
               <a:rPr lang="en-US" smtClean="0"/>
-              <a:t>5/4/2022</a:t>
+              <a:t>5/10/2022</a:t>
             </a:fld>
             <a:endParaRPr lang="en-US"/>
           </a:p>
@@ -877,7 +877,7 @@
           <a:p>
             <a:fld id="{1A98E586-BE26-45CF-A16C-F0F962A0AAAF}" type="datetimeFigureOut">
               <a:rPr lang="en-US" smtClean="0"/>
-              <a:t>5/4/2022</a:t>
+              <a:t>5/10/2022</a:t>
             </a:fld>
             <a:endParaRPr lang="en-US"/>
           </a:p>
@@ -1057,7 +1057,7 @@
           <a:p>
             <a:fld id="{1A98E586-BE26-45CF-A16C-F0F962A0AAAF}" type="datetimeFigureOut">
               <a:rPr lang="en-US" smtClean="0"/>
-              <a:t>5/4/2022</a:t>
+              <a:t>5/10/2022</a:t>
             </a:fld>
             <a:endParaRPr lang="en-US"/>
           </a:p>
@@ -1227,7 +1227,7 @@
           <a:p>
             <a:fld id="{1A98E586-BE26-45CF-A16C-F0F962A0AAAF}" type="datetimeFigureOut">
               <a:rPr lang="en-US" smtClean="0"/>
-              <a:t>5/4/2022</a:t>
+              <a:t>5/10/2022</a:t>
             </a:fld>
             <a:endParaRPr lang="en-US"/>
           </a:p>
@@ -1473,7 +1473,7 @@
           <a:p>
             <a:fld id="{1A98E586-BE26-45CF-A16C-F0F962A0AAAF}" type="datetimeFigureOut">
               <a:rPr lang="en-US" smtClean="0"/>
-              <a:t>5/4/2022</a:t>
+              <a:t>5/10/2022</a:t>
             </a:fld>
             <a:endParaRPr lang="en-US"/>
           </a:p>
@@ -1705,7 +1705,7 @@
           <a:p>
             <a:fld id="{1A98E586-BE26-45CF-A16C-F0F962A0AAAF}" type="datetimeFigureOut">
               <a:rPr lang="en-US" smtClean="0"/>
-              <a:t>5/4/2022</a:t>
+              <a:t>5/10/2022</a:t>
             </a:fld>
             <a:endParaRPr lang="en-US"/>
           </a:p>
@@ -2072,7 +2072,7 @@
           <a:p>
             <a:fld id="{1A98E586-BE26-45CF-A16C-F0F962A0AAAF}" type="datetimeFigureOut">
               <a:rPr lang="en-US" smtClean="0"/>
-              <a:t>5/4/2022</a:t>
+              <a:t>5/10/2022</a:t>
             </a:fld>
             <a:endParaRPr lang="en-US"/>
           </a:p>
@@ -2190,7 +2190,7 @@
           <a:p>
             <a:fld id="{1A98E586-BE26-45CF-A16C-F0F962A0AAAF}" type="datetimeFigureOut">
               <a:rPr lang="en-US" smtClean="0"/>
-              <a:t>5/4/2022</a:t>
+              <a:t>5/10/2022</a:t>
             </a:fld>
             <a:endParaRPr lang="en-US"/>
           </a:p>
@@ -2285,7 +2285,7 @@
           <a:p>
             <a:fld id="{1A98E586-BE26-45CF-A16C-F0F962A0AAAF}" type="datetimeFigureOut">
               <a:rPr lang="en-US" smtClean="0"/>
-              <a:t>5/4/2022</a:t>
+              <a:t>5/10/2022</a:t>
             </a:fld>
             <a:endParaRPr lang="en-US"/>
           </a:p>
@@ -2562,7 +2562,7 @@
           <a:p>
             <a:fld id="{1A98E586-BE26-45CF-A16C-F0F962A0AAAF}" type="datetimeFigureOut">
               <a:rPr lang="en-US" smtClean="0"/>
-              <a:t>5/4/2022</a:t>
+              <a:t>5/10/2022</a:t>
             </a:fld>
             <a:endParaRPr lang="en-US"/>
           </a:p>
@@ -2819,7 +2819,7 @@
           <a:p>
             <a:fld id="{1A98E586-BE26-45CF-A16C-F0F962A0AAAF}" type="datetimeFigureOut">
               <a:rPr lang="en-US" smtClean="0"/>
-              <a:t>5/4/2022</a:t>
+              <a:t>5/10/2022</a:t>
             </a:fld>
             <a:endParaRPr lang="en-US"/>
           </a:p>
@@ -3032,7 +3032,7 @@
           <a:p>
             <a:fld id="{1A98E586-BE26-45CF-A16C-F0F962A0AAAF}" type="datetimeFigureOut">
               <a:rPr lang="en-US" smtClean="0"/>
-              <a:t>5/4/2022</a:t>
+              <a:t>5/10/2022</a:t>
             </a:fld>
             <a:endParaRPr lang="en-US"/>
           </a:p>
@@ -3608,14 +3608,13 @@
               <a:t>, Email, Password, </a:t>
             </a:r>
             <a:r>
-              <a:rPr lang="en-US" sz="1600" err="1"/>
-              <a:t>isInsolvent</a:t>
-            </a:r>
-            <a:r>
-              <a:rPr lang="en-US" sz="1600"/>
-              <a:t>,FailedAttempts)</a:t>
-            </a:r>
-            <a:endParaRPr lang="en-US" sz="1600" dirty="0"/>
+              <a:rPr lang="en-US" sz="1600" dirty="0" err="1"/>
+              <a:t>isInsolvent,FailedAttempts</a:t>
+            </a:r>
+            <a:r>
+              <a:rPr lang="en-US" sz="1600" dirty="0"/>
+              <a:t>)</a:t>
+            </a:r>
           </a:p>
           <a:p>
             <a:pPr algn="l">
@@ -3638,6 +3637,14 @@
             <a:r>
               <a:rPr lang="en-US" sz="1600" u="sng" dirty="0" err="1"/>
               <a:t>Username</a:t>
+            </a:r>
+            <a:r>
+              <a:rPr lang="en-US" sz="1600" b="1" u="sng" dirty="0" err="1"/>
+              <a:t>,</a:t>
+            </a:r>
+            <a:r>
+              <a:rPr lang="en-US" sz="1600" u="sng" dirty="0" err="1"/>
+              <a:t>Emajl</a:t>
             </a:r>
             <a:r>
               <a:rPr lang="en-US" sz="1600" b="1" u="sng" dirty="0"/>
@@ -4327,6 +4334,47 @@
           </a:fontRef>
         </p:style>
       </p:cxnSp>
+      <p:cxnSp>
+        <p:nvCxnSpPr>
+          <p:cNvPr id="17" name="Connettore 2 16">
+            <a:extLst>
+              <a:ext uri="{FF2B5EF4-FFF2-40B4-BE49-F238E27FC236}">
+                <a16:creationId xmlns:a16="http://schemas.microsoft.com/office/drawing/2014/main" id="{B74F68AE-83A0-8D4E-36DE-774D5A21F291}"/>
+              </a:ext>
+            </a:extLst>
+          </p:cNvPr>
+          <p:cNvCxnSpPr>
+            <a:cxnSpLocks/>
+          </p:cNvCxnSpPr>
+          <p:nvPr/>
+        </p:nvCxnSpPr>
+        <p:spPr>
+          <a:xfrm flipH="1" flipV="1">
+            <a:off x="1882065" y="3086820"/>
+            <a:ext cx="435006" cy="559294"/>
+          </a:xfrm>
+          <a:prstGeom prst="straightConnector1">
+            <a:avLst/>
+          </a:prstGeom>
+          <a:ln>
+            <a:tailEnd type="triangle"/>
+          </a:ln>
+        </p:spPr>
+        <p:style>
+          <a:lnRef idx="3">
+            <a:schemeClr val="accent5"/>
+          </a:lnRef>
+          <a:fillRef idx="0">
+            <a:schemeClr val="accent5"/>
+          </a:fillRef>
+          <a:effectRef idx="2">
+            <a:schemeClr val="accent5"/>
+          </a:effectRef>
+          <a:fontRef idx="minor">
+            <a:schemeClr val="tx1"/>
+          </a:fontRef>
+        </p:style>
+      </p:cxnSp>
     </p:spTree>
     <p:extLst>
       <p:ext uri="{BB962C8B-B14F-4D97-AF65-F5344CB8AC3E}">

--- a/Deliverables/Relational Model.pptx
+++ b/Deliverables/Relational Model.pptx
@@ -3643,8 +3643,8 @@
               <a:t>,</a:t>
             </a:r>
             <a:r>
-              <a:rPr lang="en-US" sz="1600" u="sng" dirty="0" err="1"/>
-              <a:t>Emajl</a:t>
+              <a:rPr lang="en-US" sz="1600" dirty="0" err="1"/>
+              <a:t>Email</a:t>
             </a:r>
             <a:r>
               <a:rPr lang="en-US" sz="1600" b="1" u="sng" dirty="0"/>
@@ -4334,47 +4334,6 @@
           </a:fontRef>
         </p:style>
       </p:cxnSp>
-      <p:cxnSp>
-        <p:nvCxnSpPr>
-          <p:cNvPr id="17" name="Connettore 2 16">
-            <a:extLst>
-              <a:ext uri="{FF2B5EF4-FFF2-40B4-BE49-F238E27FC236}">
-                <a16:creationId xmlns:a16="http://schemas.microsoft.com/office/drawing/2014/main" id="{B74F68AE-83A0-8D4E-36DE-774D5A21F291}"/>
-              </a:ext>
-            </a:extLst>
-          </p:cNvPr>
-          <p:cNvCxnSpPr>
-            <a:cxnSpLocks/>
-          </p:cNvCxnSpPr>
-          <p:nvPr/>
-        </p:nvCxnSpPr>
-        <p:spPr>
-          <a:xfrm flipH="1" flipV="1">
-            <a:off x="1882065" y="3086820"/>
-            <a:ext cx="435006" cy="559294"/>
-          </a:xfrm>
-          <a:prstGeom prst="straightConnector1">
-            <a:avLst/>
-          </a:prstGeom>
-          <a:ln>
-            <a:tailEnd type="triangle"/>
-          </a:ln>
-        </p:spPr>
-        <p:style>
-          <a:lnRef idx="3">
-            <a:schemeClr val="accent5"/>
-          </a:lnRef>
-          <a:fillRef idx="0">
-            <a:schemeClr val="accent5"/>
-          </a:fillRef>
-          <a:effectRef idx="2">
-            <a:schemeClr val="accent5"/>
-          </a:effectRef>
-          <a:fontRef idx="minor">
-            <a:schemeClr val="tx1"/>
-          </a:fontRef>
-        </p:style>
-      </p:cxnSp>
     </p:spTree>
     <p:extLst>
       <p:ext uri="{BB962C8B-B14F-4D97-AF65-F5344CB8AC3E}">

--- a/Deliverables/Relational Model.pptx
+++ b/Deliverables/Relational Model.pptx
@@ -707,7 +707,7 @@
           <a:p>
             <a:fld id="{1A98E586-BE26-45CF-A16C-F0F962A0AAAF}" type="datetimeFigureOut">
               <a:rPr lang="en-US" smtClean="0"/>
-              <a:t>5/10/2022</a:t>
+              <a:t>5/12/2022</a:t>
             </a:fld>
             <a:endParaRPr lang="en-US"/>
           </a:p>
@@ -877,7 +877,7 @@
           <a:p>
             <a:fld id="{1A98E586-BE26-45CF-A16C-F0F962A0AAAF}" type="datetimeFigureOut">
               <a:rPr lang="en-US" smtClean="0"/>
-              <a:t>5/10/2022</a:t>
+              <a:t>5/12/2022</a:t>
             </a:fld>
             <a:endParaRPr lang="en-US"/>
           </a:p>
@@ -1057,7 +1057,7 @@
           <a:p>
             <a:fld id="{1A98E586-BE26-45CF-A16C-F0F962A0AAAF}" type="datetimeFigureOut">
               <a:rPr lang="en-US" smtClean="0"/>
-              <a:t>5/10/2022</a:t>
+              <a:t>5/12/2022</a:t>
             </a:fld>
             <a:endParaRPr lang="en-US"/>
           </a:p>
@@ -1227,7 +1227,7 @@
           <a:p>
             <a:fld id="{1A98E586-BE26-45CF-A16C-F0F962A0AAAF}" type="datetimeFigureOut">
               <a:rPr lang="en-US" smtClean="0"/>
-              <a:t>5/10/2022</a:t>
+              <a:t>5/12/2022</a:t>
             </a:fld>
             <a:endParaRPr lang="en-US"/>
           </a:p>
@@ -1473,7 +1473,7 @@
           <a:p>
             <a:fld id="{1A98E586-BE26-45CF-A16C-F0F962A0AAAF}" type="datetimeFigureOut">
               <a:rPr lang="en-US" smtClean="0"/>
-              <a:t>5/10/2022</a:t>
+              <a:t>5/12/2022</a:t>
             </a:fld>
             <a:endParaRPr lang="en-US"/>
           </a:p>
@@ -1705,7 +1705,7 @@
           <a:p>
             <a:fld id="{1A98E586-BE26-45CF-A16C-F0F962A0AAAF}" type="datetimeFigureOut">
               <a:rPr lang="en-US" smtClean="0"/>
-              <a:t>5/10/2022</a:t>
+              <a:t>5/12/2022</a:t>
             </a:fld>
             <a:endParaRPr lang="en-US"/>
           </a:p>
@@ -2072,7 +2072,7 @@
           <a:p>
             <a:fld id="{1A98E586-BE26-45CF-A16C-F0F962A0AAAF}" type="datetimeFigureOut">
               <a:rPr lang="en-US" smtClean="0"/>
-              <a:t>5/10/2022</a:t>
+              <a:t>5/12/2022</a:t>
             </a:fld>
             <a:endParaRPr lang="en-US"/>
           </a:p>
@@ -2190,7 +2190,7 @@
           <a:p>
             <a:fld id="{1A98E586-BE26-45CF-A16C-F0F962A0AAAF}" type="datetimeFigureOut">
               <a:rPr lang="en-US" smtClean="0"/>
-              <a:t>5/10/2022</a:t>
+              <a:t>5/12/2022</a:t>
             </a:fld>
             <a:endParaRPr lang="en-US"/>
           </a:p>
@@ -2285,7 +2285,7 @@
           <a:p>
             <a:fld id="{1A98E586-BE26-45CF-A16C-F0F962A0AAAF}" type="datetimeFigureOut">
               <a:rPr lang="en-US" smtClean="0"/>
-              <a:t>5/10/2022</a:t>
+              <a:t>5/12/2022</a:t>
             </a:fld>
             <a:endParaRPr lang="en-US"/>
           </a:p>
@@ -2562,7 +2562,7 @@
           <a:p>
             <a:fld id="{1A98E586-BE26-45CF-A16C-F0F962A0AAAF}" type="datetimeFigureOut">
               <a:rPr lang="en-US" smtClean="0"/>
-              <a:t>5/10/2022</a:t>
+              <a:t>5/12/2022</a:t>
             </a:fld>
             <a:endParaRPr lang="en-US"/>
           </a:p>
@@ -2819,7 +2819,7 @@
           <a:p>
             <a:fld id="{1A98E586-BE26-45CF-A16C-F0F962A0AAAF}" type="datetimeFigureOut">
               <a:rPr lang="en-US" smtClean="0"/>
-              <a:t>5/10/2022</a:t>
+              <a:t>5/12/2022</a:t>
             </a:fld>
             <a:endParaRPr lang="en-US"/>
           </a:p>
@@ -3032,7 +3032,7 @@
           <a:p>
             <a:fld id="{1A98E586-BE26-45CF-A16C-F0F962A0AAAF}" type="datetimeFigureOut">
               <a:rPr lang="en-US" smtClean="0"/>
-              <a:t>5/10/2022</a:t>
+              <a:t>5/12/2022</a:t>
             </a:fld>
             <a:endParaRPr lang="en-US"/>
           </a:p>
@@ -3495,7 +3495,7 @@
         </p:spPr>
         <p:txBody>
           <a:bodyPr>
-            <a:normAutofit fontScale="92500" lnSpcReduction="10000"/>
+            <a:normAutofit fontScale="77500" lnSpcReduction="20000"/>
           </a:bodyPr>
           <a:lstStyle/>
           <a:p>
@@ -3554,35 +3554,7 @@
             </a:r>
             <a:r>
               <a:rPr lang="en-US" sz="1600" u="sng" dirty="0" err="1"/>
-              <a:t>Username</a:t>
-            </a:r>
-            <a:r>
-              <a:rPr lang="en-US" sz="1600" u="sng" dirty="0"/>
-              <a:t>,</a:t>
-            </a:r>
-            <a:r>
-              <a:rPr lang="en-US" sz="1600" dirty="0"/>
-              <a:t> </a:t>
-            </a:r>
-            <a:r>
-              <a:rPr lang="en-US" sz="1600" u="sng" dirty="0" err="1"/>
-              <a:t>PackageID</a:t>
-            </a:r>
-            <a:r>
-              <a:rPr lang="en-US" sz="1600" u="sng" dirty="0"/>
-              <a:t>, </a:t>
-            </a:r>
-            <a:r>
-              <a:rPr lang="en-US" sz="1600" u="sng" dirty="0" err="1"/>
-              <a:t>ValidityPeriod</a:t>
-            </a:r>
-            <a:r>
-              <a:rPr lang="en-US" sz="1600" u="sng" dirty="0"/>
-              <a:t>, </a:t>
-            </a:r>
-            <a:r>
-              <a:rPr lang="en-US" sz="1600" u="sng" dirty="0" err="1"/>
-              <a:t>MonthlyFee</a:t>
+              <a:t>Username,PeriodID</a:t>
             </a:r>
             <a:r>
               <a:rPr lang="en-US" sz="1600" u="sng" dirty="0"/>
@@ -3702,27 +3674,15 @@
             </a:r>
             <a:r>
               <a:rPr lang="en-US" sz="1600" b="1" dirty="0" err="1"/>
-              <a:t>PackageID</a:t>
-            </a:r>
-            <a:r>
-              <a:rPr lang="en-US" sz="1600" b="1" dirty="0"/>
-              <a:t>, </a:t>
-            </a:r>
-            <a:r>
-              <a:rPr lang="en-US" sz="1600" b="1" dirty="0" err="1"/>
-              <a:t>ValidityPeriod</a:t>
-            </a:r>
-            <a:r>
-              <a:rPr lang="en-US" sz="1600" b="1" dirty="0"/>
-              <a:t>, </a:t>
-            </a:r>
-            <a:r>
-              <a:rPr lang="en-US" sz="1600" b="1" dirty="0" err="1"/>
-              <a:t>MonthlyFee</a:t>
+              <a:t>PackageID,</a:t>
+            </a:r>
+            <a:r>
+              <a:rPr lang="en-US" sz="1600" dirty="0" err="1"/>
+              <a:t>Name</a:t>
             </a:r>
             <a:r>
               <a:rPr lang="en-US" sz="1600" dirty="0"/>
-              <a:t>, Name)</a:t>
+              <a:t>)</a:t>
             </a:r>
           </a:p>
           <a:p>
@@ -3733,11 +3693,11 @@
             </a:pPr>
             <a:r>
               <a:rPr lang="en-US" sz="1600" dirty="0"/>
-              <a:t>Service(</a:t>
-            </a:r>
-            <a:r>
-              <a:rPr lang="en-US" sz="1600" b="1" dirty="0" err="1"/>
-              <a:t>ServiceID</a:t>
+              <a:t>Period(</a:t>
+            </a:r>
+            <a:r>
+              <a:rPr lang="en-US" sz="1600" b="1" dirty="0"/>
+              <a:t>ID</a:t>
             </a:r>
             <a:r>
               <a:rPr lang="en-US" sz="1600" dirty="0"/>
@@ -3745,7 +3705,7 @@
             </a:r>
             <a:r>
               <a:rPr lang="en-US" sz="1600" dirty="0" err="1"/>
-              <a:t>ServiceType</a:t>
+              <a:t>ValidityPeriod</a:t>
             </a:r>
             <a:r>
               <a:rPr lang="en-US" sz="1600" dirty="0"/>
@@ -3753,42 +3713,18 @@
             </a:r>
             <a:r>
               <a:rPr lang="en-US" sz="1600" dirty="0" err="1"/>
-              <a:t>IncludedMinutes,IncludedSMS</a:t>
+              <a:t>MonthlyFee</a:t>
             </a:r>
             <a:r>
               <a:rPr lang="en-US" sz="1600" dirty="0"/>
               <a:t>, </a:t>
             </a:r>
             <a:r>
-              <a:rPr lang="en-US" sz="1600" dirty="0" err="1"/>
-              <a:t>FeeMinutes</a:t>
-            </a:r>
-            <a:r>
-              <a:rPr lang="en-US" sz="1600" dirty="0"/>
-              <a:t>, </a:t>
-            </a:r>
-            <a:r>
-              <a:rPr lang="en-US" sz="1600" dirty="0" err="1"/>
-              <a:t>FeeSMS</a:t>
-            </a:r>
-            <a:r>
-              <a:rPr lang="en-US" sz="1600" dirty="0"/>
-              <a:t>, </a:t>
-            </a:r>
-            <a:r>
-              <a:rPr lang="en-US" sz="1600" dirty="0" err="1"/>
-              <a:t>IncludedGB</a:t>
-            </a:r>
-            <a:r>
-              <a:rPr lang="en-US" sz="1600" dirty="0"/>
-              <a:t>, </a:t>
-            </a:r>
-            <a:r>
-              <a:rPr lang="en-US" sz="1600" dirty="0" err="1"/>
-              <a:t>FeeGB</a:t>
-            </a:r>
-            <a:r>
-              <a:rPr lang="en-US" sz="1600" dirty="0"/>
+              <a:rPr lang="en-US" sz="1600" u="sng" dirty="0" err="1"/>
+              <a:t>PackageID</a:t>
+            </a:r>
+            <a:r>
+              <a:rPr lang="en-US" sz="1600" u="sng" dirty="0"/>
               <a:t>)</a:t>
             </a:r>
           </a:p>
@@ -3800,6 +3736,73 @@
             </a:pPr>
             <a:r>
               <a:rPr lang="en-US" sz="1600" dirty="0"/>
+              <a:t>Service(</a:t>
+            </a:r>
+            <a:r>
+              <a:rPr lang="en-US" sz="1600" b="1" dirty="0" err="1"/>
+              <a:t>ServiceID</a:t>
+            </a:r>
+            <a:r>
+              <a:rPr lang="en-US" sz="1600" dirty="0"/>
+              <a:t>, </a:t>
+            </a:r>
+            <a:r>
+              <a:rPr lang="en-US" sz="1600" dirty="0" err="1"/>
+              <a:t>ServiceType</a:t>
+            </a:r>
+            <a:r>
+              <a:rPr lang="en-US" sz="1600" dirty="0"/>
+              <a:t>, </a:t>
+            </a:r>
+            <a:r>
+              <a:rPr lang="en-US" sz="1600" dirty="0" err="1"/>
+              <a:t>IncludedMinutes,IncludedSMS</a:t>
+            </a:r>
+            <a:r>
+              <a:rPr lang="en-US" sz="1600" dirty="0"/>
+              <a:t>, </a:t>
+            </a:r>
+            <a:r>
+              <a:rPr lang="en-US" sz="1600" dirty="0" err="1"/>
+              <a:t>FeeMinutes</a:t>
+            </a:r>
+            <a:r>
+              <a:rPr lang="en-US" sz="1600" dirty="0"/>
+              <a:t>, </a:t>
+            </a:r>
+            <a:r>
+              <a:rPr lang="en-US" sz="1600" dirty="0" err="1"/>
+              <a:t>FeeSMS</a:t>
+            </a:r>
+            <a:r>
+              <a:rPr lang="en-US" sz="1600" dirty="0"/>
+              <a:t>, </a:t>
+            </a:r>
+            <a:r>
+              <a:rPr lang="en-US" sz="1600" dirty="0" err="1"/>
+              <a:t>IncludedGB</a:t>
+            </a:r>
+            <a:r>
+              <a:rPr lang="en-US" sz="1600" dirty="0"/>
+              <a:t>, </a:t>
+            </a:r>
+            <a:r>
+              <a:rPr lang="en-US" sz="1600" dirty="0" err="1"/>
+              <a:t>FeeGB</a:t>
+            </a:r>
+            <a:r>
+              <a:rPr lang="en-US" sz="1600" dirty="0"/>
+              <a:t>)</a:t>
+            </a:r>
+          </a:p>
+          <a:p>
+            <a:pPr algn="l">
+              <a:lnSpc>
+                <a:spcPct val="250000"/>
+              </a:lnSpc>
+            </a:pPr>
+            <a:r>
+              <a:rPr lang="en-US" sz="1600" dirty="0"/>
               <a:t>Employee(</a:t>
             </a:r>
             <a:r>
@@ -3814,6 +3817,14 @@
               <a:rPr lang="en-US" sz="1600" dirty="0"/>
               <a:t>)</a:t>
             </a:r>
+          </a:p>
+          <a:p>
+            <a:pPr algn="l">
+              <a:lnSpc>
+                <a:spcPct val="250000"/>
+              </a:lnSpc>
+            </a:pPr>
+            <a:endParaRPr lang="en-US" sz="1600" dirty="0"/>
           </a:p>
           <a:p>
             <a:pPr algn="l"/>
@@ -3837,7 +3848,7 @@
         </p:nvCxnSpPr>
         <p:spPr>
           <a:xfrm flipV="1">
-            <a:off x="7111014" y="2564042"/>
+            <a:off x="5430416" y="2295095"/>
             <a:ext cx="0" cy="242451"/>
           </a:xfrm>
           <a:prstGeom prst="line">
@@ -3868,13 +3879,15 @@
               </a:ext>
             </a:extLst>
           </p:cNvPr>
-          <p:cNvCxnSpPr/>
+          <p:cNvCxnSpPr>
+            <a:cxnSpLocks/>
+          </p:cNvCxnSpPr>
           <p:nvPr/>
         </p:nvCxnSpPr>
         <p:spPr>
-          <a:xfrm>
-            <a:off x="1136342" y="2788738"/>
-            <a:ext cx="5974672" cy="0"/>
+          <a:xfrm flipV="1">
+            <a:off x="964708" y="2546287"/>
+            <a:ext cx="4465708" cy="17755"/>
           </a:xfrm>
           <a:prstGeom prst="line">
             <a:avLst/>
@@ -3911,7 +3924,7 @@
         </p:nvCxnSpPr>
         <p:spPr>
           <a:xfrm>
-            <a:off x="1136342" y="2806493"/>
+            <a:off x="987053" y="2546287"/>
             <a:ext cx="0" cy="242451"/>
           </a:xfrm>
           <a:prstGeom prst="straightConnector1">
@@ -3952,13 +3965,16 @@
         </p:nvCxnSpPr>
         <p:spPr>
           <a:xfrm flipH="1" flipV="1">
-            <a:off x="1296140" y="3160450"/>
-            <a:ext cx="435006" cy="559294"/>
+            <a:off x="1772816" y="4562669"/>
+            <a:ext cx="1132810" cy="428155"/>
           </a:xfrm>
           <a:prstGeom prst="straightConnector1">
             <a:avLst/>
           </a:prstGeom>
           <a:ln>
+            <a:solidFill>
+              <a:srgbClr val="FFFF00"/>
+            </a:solidFill>
             <a:tailEnd type="triangle"/>
           </a:ln>
         </p:spPr>
@@ -3971,125 +3987,6 @@
           </a:fillRef>
           <a:effectRef idx="2">
             <a:schemeClr val="accent5"/>
-          </a:effectRef>
-          <a:fontRef idx="minor">
-            <a:schemeClr val="tx1"/>
-          </a:fontRef>
-        </p:style>
-      </p:cxnSp>
-      <p:cxnSp>
-        <p:nvCxnSpPr>
-          <p:cNvPr id="31" name="Connettore diritto 30">
-            <a:extLst>
-              <a:ext uri="{FF2B5EF4-FFF2-40B4-BE49-F238E27FC236}">
-                <a16:creationId xmlns:a16="http://schemas.microsoft.com/office/drawing/2014/main" id="{40E8AA2B-08FF-44C2-8BF8-75D435615232}"/>
-              </a:ext>
-            </a:extLst>
-          </p:cNvPr>
-          <p:cNvCxnSpPr>
-            <a:cxnSpLocks/>
-          </p:cNvCxnSpPr>
-          <p:nvPr/>
-        </p:nvCxnSpPr>
-        <p:spPr>
-          <a:xfrm flipV="1">
-            <a:off x="8089037" y="2442839"/>
-            <a:ext cx="0" cy="2364396"/>
-          </a:xfrm>
-          <a:prstGeom prst="line">
-            <a:avLst/>
-          </a:prstGeom>
-          <a:ln/>
-        </p:spPr>
-        <p:style>
-          <a:lnRef idx="3">
-            <a:schemeClr val="accent1"/>
-          </a:lnRef>
-          <a:fillRef idx="0">
-            <a:schemeClr val="accent1"/>
-          </a:fillRef>
-          <a:effectRef idx="2">
-            <a:schemeClr val="accent1"/>
-          </a:effectRef>
-          <a:fontRef idx="minor">
-            <a:schemeClr val="tx1"/>
-          </a:fontRef>
-        </p:style>
-      </p:cxnSp>
-      <p:cxnSp>
-        <p:nvCxnSpPr>
-          <p:cNvPr id="33" name="Connettore diritto 32">
-            <a:extLst>
-              <a:ext uri="{FF2B5EF4-FFF2-40B4-BE49-F238E27FC236}">
-                <a16:creationId xmlns:a16="http://schemas.microsoft.com/office/drawing/2014/main" id="{4F182207-FCF8-4908-ACA2-D1A18402A104}"/>
-              </a:ext>
-            </a:extLst>
-          </p:cNvPr>
-          <p:cNvCxnSpPr>
-            <a:cxnSpLocks/>
-          </p:cNvCxnSpPr>
-          <p:nvPr/>
-        </p:nvCxnSpPr>
-        <p:spPr>
-          <a:xfrm>
-            <a:off x="1731146" y="4782144"/>
-            <a:ext cx="6357891" cy="0"/>
-          </a:xfrm>
-          <a:prstGeom prst="line">
-            <a:avLst/>
-          </a:prstGeom>
-          <a:ln/>
-        </p:spPr>
-        <p:style>
-          <a:lnRef idx="3">
-            <a:schemeClr val="accent1"/>
-          </a:lnRef>
-          <a:fillRef idx="0">
-            <a:schemeClr val="accent1"/>
-          </a:fillRef>
-          <a:effectRef idx="2">
-            <a:schemeClr val="accent1"/>
-          </a:effectRef>
-          <a:fontRef idx="minor">
-            <a:schemeClr val="tx1"/>
-          </a:fontRef>
-        </p:style>
-      </p:cxnSp>
-      <p:cxnSp>
-        <p:nvCxnSpPr>
-          <p:cNvPr id="35" name="Connettore 2 34">
-            <a:extLst>
-              <a:ext uri="{FF2B5EF4-FFF2-40B4-BE49-F238E27FC236}">
-                <a16:creationId xmlns:a16="http://schemas.microsoft.com/office/drawing/2014/main" id="{C5797591-1CC4-422F-A5BC-376E2ADE38FA}"/>
-              </a:ext>
-            </a:extLst>
-          </p:cNvPr>
-          <p:cNvCxnSpPr>
-            <a:cxnSpLocks/>
-          </p:cNvCxnSpPr>
-          <p:nvPr/>
-        </p:nvCxnSpPr>
-        <p:spPr>
-          <a:xfrm>
-            <a:off x="1722269" y="4807235"/>
-            <a:ext cx="0" cy="280410"/>
-          </a:xfrm>
-          <a:prstGeom prst="straightConnector1">
-            <a:avLst/>
-          </a:prstGeom>
-          <a:ln>
-            <a:tailEnd type="triangle"/>
-          </a:ln>
-        </p:spPr>
-        <p:style>
-          <a:lnRef idx="3">
-            <a:schemeClr val="accent1"/>
-          </a:lnRef>
-          <a:fillRef idx="0">
-            <a:schemeClr val="accent1"/>
-          </a:fillRef>
-          <a:effectRef idx="2">
-            <a:schemeClr val="accent1"/>
           </a:effectRef>
           <a:fontRef idx="minor">
             <a:schemeClr val="tx1"/>
@@ -4112,7 +4009,7 @@
         </p:nvCxnSpPr>
         <p:spPr>
           <a:xfrm flipV="1">
-            <a:off x="9030070" y="2537546"/>
+            <a:off x="5878285" y="2358887"/>
             <a:ext cx="0" cy="2364396"/>
           </a:xfrm>
           <a:prstGeom prst="line">
@@ -4150,9 +4047,9 @@
           <p:nvPr/>
         </p:nvCxnSpPr>
         <p:spPr>
-          <a:xfrm>
-            <a:off x="2512381" y="4912737"/>
-            <a:ext cx="6517689" cy="25091"/>
+          <a:xfrm flipV="1">
+            <a:off x="768010" y="4723283"/>
+            <a:ext cx="5119606" cy="6408"/>
           </a:xfrm>
           <a:prstGeom prst="line">
             <a:avLst/>
@@ -4190,7 +4087,7 @@
         </p:nvCxnSpPr>
         <p:spPr>
           <a:xfrm>
-            <a:off x="2503504" y="4937828"/>
+            <a:off x="768010" y="4723283"/>
             <a:ext cx="0" cy="280410"/>
           </a:xfrm>
           <a:prstGeom prst="straightConnector1">
@@ -4217,10 +4114,10 @@
       </p:cxnSp>
       <p:cxnSp>
         <p:nvCxnSpPr>
-          <p:cNvPr id="62" name="Connettore diritto 61">
+          <p:cNvPr id="15" name="Connettore 2 14">
             <a:extLst>
               <a:ext uri="{FF2B5EF4-FFF2-40B4-BE49-F238E27FC236}">
-                <a16:creationId xmlns:a16="http://schemas.microsoft.com/office/drawing/2014/main" id="{E67FE65E-576A-4ACE-9699-261DA9C440A9}"/>
+                <a16:creationId xmlns:a16="http://schemas.microsoft.com/office/drawing/2014/main" id="{82E32DC2-F911-1FFE-59EF-DDB7D0E87802}"/>
               </a:ext>
             </a:extLst>
           </p:cNvPr>
@@ -4230,104 +4127,29 @@
           <p:nvPr/>
         </p:nvCxnSpPr>
         <p:spPr>
-          <a:xfrm flipV="1">
-            <a:off x="10309934" y="2639297"/>
-            <a:ext cx="0" cy="2364396"/>
-          </a:xfrm>
-          <a:prstGeom prst="line">
-            <a:avLst/>
-          </a:prstGeom>
-          <a:ln/>
-        </p:spPr>
-        <p:style>
-          <a:lnRef idx="3">
-            <a:schemeClr val="accent1"/>
-          </a:lnRef>
-          <a:fillRef idx="0">
-            <a:schemeClr val="accent1"/>
-          </a:fillRef>
-          <a:effectRef idx="2">
-            <a:schemeClr val="accent1"/>
-          </a:effectRef>
-          <a:fontRef idx="minor">
-            <a:schemeClr val="tx1"/>
-          </a:fontRef>
-        </p:style>
-      </p:cxnSp>
-      <p:cxnSp>
-        <p:nvCxnSpPr>
-          <p:cNvPr id="63" name="Connettore diritto 62">
-            <a:extLst>
-              <a:ext uri="{FF2B5EF4-FFF2-40B4-BE49-F238E27FC236}">
-                <a16:creationId xmlns:a16="http://schemas.microsoft.com/office/drawing/2014/main" id="{EDB1154D-CBD2-4753-8C7E-9A1BEEEA037A}"/>
-              </a:ext>
-            </a:extLst>
-          </p:cNvPr>
-          <p:cNvCxnSpPr>
-            <a:cxnSpLocks/>
-          </p:cNvCxnSpPr>
-          <p:nvPr/>
-        </p:nvCxnSpPr>
-        <p:spPr>
-          <a:xfrm>
-            <a:off x="3960921" y="4978602"/>
-            <a:ext cx="6349013" cy="0"/>
-          </a:xfrm>
-          <a:prstGeom prst="line">
-            <a:avLst/>
-          </a:prstGeom>
-          <a:ln/>
-        </p:spPr>
-        <p:style>
-          <a:lnRef idx="3">
-            <a:schemeClr val="accent1"/>
-          </a:lnRef>
-          <a:fillRef idx="0">
-            <a:schemeClr val="accent1"/>
-          </a:fillRef>
-          <a:effectRef idx="2">
-            <a:schemeClr val="accent1"/>
-          </a:effectRef>
-          <a:fontRef idx="minor">
-            <a:schemeClr val="tx1"/>
-          </a:fontRef>
-        </p:style>
-      </p:cxnSp>
-      <p:cxnSp>
-        <p:nvCxnSpPr>
-          <p:cNvPr id="65" name="Connettore 2 64">
-            <a:extLst>
-              <a:ext uri="{FF2B5EF4-FFF2-40B4-BE49-F238E27FC236}">
-                <a16:creationId xmlns:a16="http://schemas.microsoft.com/office/drawing/2014/main" id="{C4D9F40D-09D9-4967-9652-8A4A3588F4DF}"/>
-              </a:ext>
-            </a:extLst>
-          </p:cNvPr>
-          <p:cNvCxnSpPr>
-            <a:cxnSpLocks/>
-          </p:cNvCxnSpPr>
-          <p:nvPr/>
-        </p:nvCxnSpPr>
-        <p:spPr>
-          <a:xfrm>
-            <a:off x="3952044" y="5003693"/>
-            <a:ext cx="0" cy="280410"/>
+          <a:xfrm flipH="1" flipV="1">
+            <a:off x="889518" y="2827568"/>
+            <a:ext cx="634482" cy="530567"/>
           </a:xfrm>
           <a:prstGeom prst="straightConnector1">
             <a:avLst/>
           </a:prstGeom>
           <a:ln>
+            <a:solidFill>
+              <a:schemeClr val="accent6"/>
+            </a:solidFill>
             <a:tailEnd type="triangle"/>
           </a:ln>
         </p:spPr>
         <p:style>
           <a:lnRef idx="3">
-            <a:schemeClr val="accent1"/>
+            <a:schemeClr val="accent5"/>
           </a:lnRef>
           <a:fillRef idx="0">
-            <a:schemeClr val="accent1"/>
+            <a:schemeClr val="accent5"/>
           </a:fillRef>
           <a:effectRef idx="2">
-            <a:schemeClr val="accent1"/>
+            <a:schemeClr val="accent5"/>
           </a:effectRef>
           <a:fontRef idx="minor">
             <a:schemeClr val="tx1"/>
